--- a/Trabalho final Prog2.pptx
+++ b/Trabalho final Prog2.pptx
@@ -13,6 +13,9 @@
     <p:sldId id="259" r:id="rId7"/>
     <p:sldId id="262" r:id="rId8"/>
     <p:sldId id="263" r:id="rId9"/>
+    <p:sldId id="266" r:id="rId10"/>
+    <p:sldId id="265" r:id="rId11"/>
+    <p:sldId id="264" r:id="rId12"/>
   </p:sldIdLst>
   <p:sldSz cx="9144000" cy="6858000" type="screen4x3"/>
   <p:notesSz cx="6858000" cy="9144000"/>
@@ -4837,6 +4840,309 @@
 </p:sld>
 </file>
 
+<file path=ppt/slides/slide10.xml><?xml version="1.0" encoding="utf-8"?>
+<p:sld xmlns:a="http://schemas.openxmlformats.org/drawingml/2006/main" xmlns:r="http://schemas.openxmlformats.org/officeDocument/2006/relationships" xmlns:p="http://schemas.openxmlformats.org/presentationml/2006/main">
+  <p:cSld>
+    <p:spTree>
+      <p:nvGrpSpPr>
+        <p:cNvPr id="1" name=""/>
+        <p:cNvGrpSpPr/>
+        <p:nvPr/>
+      </p:nvGrpSpPr>
+      <p:grpSpPr>
+        <a:xfrm>
+          <a:off x="0" y="0"/>
+          <a:ext cx="0" cy="0"/>
+          <a:chOff x="0" y="0"/>
+          <a:chExt cx="0" cy="0"/>
+        </a:xfrm>
+      </p:grpSpPr>
+      <p:sp>
+        <p:nvSpPr>
+          <p:cNvPr id="2" name="Espaço Reservado para Conteúdo 1"/>
+          <p:cNvSpPr>
+            <a:spLocks noGrp="1"/>
+          </p:cNvSpPr>
+          <p:nvPr>
+            <p:ph idx="1"/>
+          </p:nvPr>
+        </p:nvSpPr>
+        <p:spPr/>
+        <p:txBody>
+          <a:bodyPr/>
+          <a:lstStyle/>
+          <a:p>
+            <a:r>
+              <a:rPr lang="pt-BR" dirty="0" smtClean="0"/>
+              <a:t>Classes até agora construídas:</a:t>
+            </a:r>
+          </a:p>
+          <a:p>
+            <a:r>
+              <a:rPr lang="pt-BR" dirty="0"/>
+              <a:t>- </a:t>
+            </a:r>
+            <a:r>
+              <a:rPr lang="pt-BR" dirty="0" err="1" smtClean="0"/>
+              <a:t>Character</a:t>
+            </a:r>
+            <a:endParaRPr lang="pt-BR" dirty="0" smtClean="0"/>
+          </a:p>
+          <a:p>
+            <a:r>
+              <a:rPr lang="pt-BR" dirty="0" smtClean="0"/>
+              <a:t>- </a:t>
+            </a:r>
+            <a:r>
+              <a:rPr lang="pt-BR" dirty="0" smtClean="0">
+                <a:solidFill>
+                  <a:srgbClr val="FF0000"/>
+                </a:solidFill>
+              </a:rPr>
+              <a:t>Herói</a:t>
+            </a:r>
+          </a:p>
+          <a:p>
+            <a:r>
+              <a:rPr lang="pt-BR" dirty="0" smtClean="0"/>
+              <a:t>- Item</a:t>
+            </a:r>
+          </a:p>
+          <a:p>
+            <a:r>
+              <a:rPr lang="pt-BR" dirty="0" smtClean="0"/>
+              <a:t>- Monstro</a:t>
+            </a:r>
+          </a:p>
+          <a:p>
+            <a:r>
+              <a:rPr lang="pt-BR" dirty="0" smtClean="0"/>
+              <a:t>-Magia</a:t>
+            </a:r>
+            <a:endParaRPr lang="pt-BR" dirty="0"/>
+          </a:p>
+        </p:txBody>
+      </p:sp>
+      <p:sp>
+        <p:nvSpPr>
+          <p:cNvPr id="3" name="Título 2"/>
+          <p:cNvSpPr>
+            <a:spLocks noGrp="1"/>
+          </p:cNvSpPr>
+          <p:nvPr>
+            <p:ph type="title"/>
+          </p:nvPr>
+        </p:nvSpPr>
+        <p:spPr/>
+        <p:txBody>
+          <a:bodyPr>
+            <a:normAutofit/>
+          </a:bodyPr>
+          <a:lstStyle/>
+          <a:p>
+            <a:r>
+              <a:rPr lang="pt-BR" dirty="0" smtClean="0"/>
+              <a:t>Projeto</a:t>
+            </a:r>
+            <a:endParaRPr lang="pt-BR" dirty="0"/>
+          </a:p>
+        </p:txBody>
+      </p:sp>
+    </p:spTree>
+    <p:extLst>
+      <p:ext uri="{BB962C8B-B14F-4D97-AF65-F5344CB8AC3E}">
+        <p14:creationId xmlns:p14="http://schemas.microsoft.com/office/powerpoint/2010/main" val="3078248800"/>
+      </p:ext>
+    </p:extLst>
+  </p:cSld>
+  <p:clrMapOvr>
+    <a:masterClrMapping/>
+  </p:clrMapOvr>
+  <p:timing>
+    <p:tnLst>
+      <p:par>
+        <p:cTn id="1" dur="indefinite" restart="never" nodeType="tmRoot"/>
+      </p:par>
+    </p:tnLst>
+  </p:timing>
+</p:sld>
+</file>
+
+<file path=ppt/slides/slide11.xml><?xml version="1.0" encoding="utf-8"?>
+<p:sld xmlns:a="http://schemas.openxmlformats.org/drawingml/2006/main" xmlns:r="http://schemas.openxmlformats.org/officeDocument/2006/relationships" xmlns:p="http://schemas.openxmlformats.org/presentationml/2006/main">
+  <p:cSld>
+    <p:spTree>
+      <p:nvGrpSpPr>
+        <p:cNvPr id="1" name=""/>
+        <p:cNvGrpSpPr/>
+        <p:nvPr/>
+      </p:nvGrpSpPr>
+      <p:grpSpPr>
+        <a:xfrm>
+          <a:off x="0" y="0"/>
+          <a:ext cx="0" cy="0"/>
+          <a:chOff x="0" y="0"/>
+          <a:chExt cx="0" cy="0"/>
+        </a:xfrm>
+      </p:grpSpPr>
+      <p:sp>
+        <p:nvSpPr>
+          <p:cNvPr id="2" name="Espaço Reservado para Conteúdo 1"/>
+          <p:cNvSpPr>
+            <a:spLocks noGrp="1"/>
+          </p:cNvSpPr>
+          <p:nvPr>
+            <p:ph idx="1"/>
+          </p:nvPr>
+        </p:nvSpPr>
+        <p:spPr/>
+        <p:txBody>
+          <a:bodyPr/>
+          <a:lstStyle/>
+          <a:p>
+            <a:endParaRPr lang="pt-BR" dirty="0"/>
+          </a:p>
+          <a:p>
+            <a:endParaRPr lang="pt-BR" dirty="0" smtClean="0"/>
+          </a:p>
+          <a:p>
+            <a:endParaRPr lang="pt-BR" dirty="0"/>
+          </a:p>
+        </p:txBody>
+      </p:sp>
+      <p:sp>
+        <p:nvSpPr>
+          <p:cNvPr id="3" name="Título 2"/>
+          <p:cNvSpPr>
+            <a:spLocks noGrp="1"/>
+          </p:cNvSpPr>
+          <p:nvPr>
+            <p:ph type="title"/>
+          </p:nvPr>
+        </p:nvSpPr>
+        <p:spPr/>
+        <p:txBody>
+          <a:bodyPr>
+            <a:normAutofit/>
+          </a:bodyPr>
+          <a:lstStyle/>
+          <a:p>
+            <a:r>
+              <a:rPr lang="pt-BR" dirty="0" smtClean="0"/>
+              <a:t>Classe </a:t>
+            </a:r>
+            <a:r>
+              <a:rPr lang="pt-BR" dirty="0" err="1" smtClean="0"/>
+              <a:t>Heroi</a:t>
+            </a:r>
+            <a:endParaRPr lang="pt-BR" dirty="0"/>
+          </a:p>
+        </p:txBody>
+      </p:sp>
+      <p:pic>
+        <p:nvPicPr>
+          <p:cNvPr id="4" name="Imagem 3"/>
+          <p:cNvPicPr>
+            <a:picLocks noChangeAspect="1"/>
+          </p:cNvPicPr>
+          <p:nvPr/>
+        </p:nvPicPr>
+        <p:blipFill>
+          <a:blip r:embed="rId2">
+            <a:extLst>
+              <a:ext uri="{28A0092B-C50C-407E-A947-70E740481C1C}">
+                <a14:useLocalDpi xmlns:a14="http://schemas.microsoft.com/office/drawing/2010/main" val="0"/>
+              </a:ext>
+            </a:extLst>
+          </a:blip>
+          <a:stretch>
+            <a:fillRect/>
+          </a:stretch>
+        </p:blipFill>
+        <p:spPr>
+          <a:xfrm>
+            <a:off x="323528" y="1484784"/>
+            <a:ext cx="8676456" cy="3116617"/>
+          </a:xfrm>
+          <a:prstGeom prst="rect">
+            <a:avLst/>
+          </a:prstGeom>
+        </p:spPr>
+      </p:pic>
+      <p:sp>
+        <p:nvSpPr>
+          <p:cNvPr id="5" name="CaixaDeTexto 4"/>
+          <p:cNvSpPr txBox="1"/>
+          <p:nvPr/>
+        </p:nvSpPr>
+        <p:spPr>
+          <a:xfrm>
+            <a:off x="1907704" y="4774200"/>
+            <a:ext cx="7369325" cy="1384995"/>
+          </a:xfrm>
+          <a:prstGeom prst="rect">
+            <a:avLst/>
+          </a:prstGeom>
+          <a:noFill/>
+        </p:spPr>
+        <p:txBody>
+          <a:bodyPr wrap="none" rtlCol="0">
+            <a:spAutoFit/>
+          </a:bodyPr>
+          <a:lstStyle/>
+          <a:p>
+            <a:r>
+              <a:rPr lang="pt-BR" sz="1200" dirty="0" smtClean="0"/>
+              <a:t>Classe: </a:t>
+            </a:r>
+            <a:r>
+              <a:rPr lang="pt-BR" sz="1200" dirty="0" err="1" smtClean="0"/>
+              <a:t>Heroi</a:t>
+            </a:r>
+            <a:endParaRPr lang="pt-BR" sz="1200" dirty="0" smtClean="0"/>
+          </a:p>
+          <a:p>
+            <a:endParaRPr lang="pt-BR" sz="1200" dirty="0" smtClean="0"/>
+          </a:p>
+          <a:p>
+            <a:r>
+              <a:rPr lang="pt-BR" sz="1200" dirty="0" smtClean="0"/>
+              <a:t>Descrição: Armazena as informações básicas dos personagens jogáveis, como nome e descrição</a:t>
+            </a:r>
+          </a:p>
+          <a:p>
+            <a:endParaRPr lang="pt-BR" sz="1200" dirty="0"/>
+          </a:p>
+          <a:p>
+            <a:r>
+              <a:rPr lang="pt-BR" sz="1200" dirty="0" smtClean="0"/>
+              <a:t>Herda de: Char</a:t>
+            </a:r>
+          </a:p>
+          <a:p>
+            <a:endParaRPr lang="pt-BR" sz="1200" dirty="0"/>
+          </a:p>
+          <a:p>
+            <a:r>
+              <a:rPr lang="pt-BR" sz="1200" dirty="0" smtClean="0"/>
+              <a:t>É herdado por: Mago, Guerreiro, Ladino</a:t>
+            </a:r>
+          </a:p>
+        </p:txBody>
+      </p:sp>
+    </p:spTree>
+    <p:extLst>
+      <p:ext uri="{BB962C8B-B14F-4D97-AF65-F5344CB8AC3E}">
+        <p14:creationId xmlns:p14="http://schemas.microsoft.com/office/powerpoint/2010/main" val="4066930787"/>
+      </p:ext>
+    </p:extLst>
+  </p:cSld>
+  <p:clrMapOvr>
+    <a:masterClrMapping/>
+  </p:clrMapOvr>
+</p:sld>
+</file>
+
 <file path=ppt/slides/slide2.xml><?xml version="1.0" encoding="utf-8"?>
 <p:sld xmlns:a="http://schemas.openxmlformats.org/drawingml/2006/main" xmlns:r="http://schemas.openxmlformats.org/officeDocument/2006/relationships" xmlns:p="http://schemas.openxmlformats.org/presentationml/2006/main">
   <p:cSld>
@@ -5523,11 +5829,7 @@
             </a:r>
             <a:r>
               <a:rPr lang="pt-BR" sz="2000" dirty="0" smtClean="0"/>
-              <a:t> e celulares</a:t>
-            </a:r>
-            <a:r>
-              <a:rPr lang="pt-BR" sz="2000" dirty="0" smtClean="0"/>
-              <a:t>)</a:t>
+              <a:t> e celulares)</a:t>
             </a:r>
           </a:p>
           <a:p>
@@ -5716,8 +6018,23 @@
           </a:p>
           <a:p>
             <a:r>
+              <a:rPr lang="pt-BR" dirty="0"/>
+              <a:t>- </a:t>
+            </a:r>
+            <a:r>
+              <a:rPr lang="pt-BR" dirty="0" err="1" smtClean="0"/>
+              <a:t>Character</a:t>
+            </a:r>
+            <a:endParaRPr lang="pt-BR" dirty="0" smtClean="0"/>
+          </a:p>
+          <a:p>
+            <a:r>
               <a:rPr lang="pt-BR" dirty="0" smtClean="0"/>
-              <a:t>- Herói</a:t>
+              <a:t>- </a:t>
+            </a:r>
+            <a:r>
+              <a:rPr lang="pt-BR" dirty="0" smtClean="0"/>
+              <a:t>Herói</a:t>
             </a:r>
           </a:p>
           <a:p>
@@ -5821,6 +6138,25 @@
           <a:p>
             <a:r>
               <a:rPr lang="pt-BR" dirty="0" smtClean="0"/>
+              <a:t>- </a:t>
+            </a:r>
+            <a:r>
+              <a:rPr lang="pt-BR" dirty="0" err="1" smtClean="0">
+                <a:solidFill>
+                  <a:srgbClr val="FF0000"/>
+                </a:solidFill>
+              </a:rPr>
+              <a:t>Character</a:t>
+            </a:r>
+            <a:endParaRPr lang="pt-BR" dirty="0" smtClean="0">
+              <a:solidFill>
+                <a:srgbClr val="FF0000"/>
+              </a:solidFill>
+            </a:endParaRPr>
+          </a:p>
+          <a:p>
+            <a:r>
+              <a:rPr lang="pt-BR" dirty="0" smtClean="0"/>
               <a:t>-</a:t>
             </a:r>
             <a:r>
@@ -5829,7 +6165,11 @@
                   <a:srgbClr val="FF0000"/>
                 </a:solidFill>
               </a:rPr>
-              <a:t> Herói</a:t>
+              <a:t> </a:t>
+            </a:r>
+            <a:r>
+              <a:rPr lang="pt-BR" dirty="0" smtClean="0"/>
+              <a:t>Herói</a:t>
             </a:r>
           </a:p>
           <a:p>
@@ -5890,6 +6230,231 @@
       </p:par>
     </p:tnLst>
   </p:timing>
+</p:sld>
+</file>
+
+<file path=ppt/slides/slide9.xml><?xml version="1.0" encoding="utf-8"?>
+<p:sld xmlns:a="http://schemas.openxmlformats.org/drawingml/2006/main" xmlns:r="http://schemas.openxmlformats.org/officeDocument/2006/relationships" xmlns:p="http://schemas.openxmlformats.org/presentationml/2006/main">
+  <p:cSld>
+    <p:spTree>
+      <p:nvGrpSpPr>
+        <p:cNvPr id="1" name=""/>
+        <p:cNvGrpSpPr/>
+        <p:nvPr/>
+      </p:nvGrpSpPr>
+      <p:grpSpPr>
+        <a:xfrm>
+          <a:off x="0" y="0"/>
+          <a:ext cx="0" cy="0"/>
+          <a:chOff x="0" y="0"/>
+          <a:chExt cx="0" cy="0"/>
+        </a:xfrm>
+      </p:grpSpPr>
+      <p:sp>
+        <p:nvSpPr>
+          <p:cNvPr id="3" name="Título 2"/>
+          <p:cNvSpPr>
+            <a:spLocks noGrp="1"/>
+          </p:cNvSpPr>
+          <p:nvPr>
+            <p:ph type="title"/>
+          </p:nvPr>
+        </p:nvSpPr>
+        <p:spPr/>
+        <p:txBody>
+          <a:bodyPr/>
+          <a:lstStyle/>
+          <a:p>
+            <a:r>
+              <a:rPr lang="pt-BR" dirty="0" smtClean="0"/>
+              <a:t>Classe </a:t>
+            </a:r>
+            <a:r>
+              <a:rPr lang="pt-BR" dirty="0" err="1" smtClean="0"/>
+              <a:t>Character</a:t>
+            </a:r>
+            <a:endParaRPr lang="pt-BR" dirty="0"/>
+          </a:p>
+        </p:txBody>
+      </p:sp>
+      <p:sp>
+        <p:nvSpPr>
+          <p:cNvPr id="5" name="Espaço Reservado para Conteúdo 4"/>
+          <p:cNvSpPr>
+            <a:spLocks noGrp="1"/>
+          </p:cNvSpPr>
+          <p:nvPr>
+            <p:ph idx="1"/>
+          </p:nvPr>
+        </p:nvSpPr>
+        <p:spPr/>
+        <p:txBody>
+          <a:bodyPr/>
+          <a:lstStyle/>
+          <a:p>
+            <a:pPr marL="109728" indent="0">
+              <a:buNone/>
+            </a:pPr>
+            <a:endParaRPr lang="pt-BR" dirty="0" smtClean="0"/>
+          </a:p>
+          <a:p>
+            <a:pPr marL="109728" indent="0">
+              <a:buNone/>
+            </a:pPr>
+            <a:endParaRPr lang="pt-BR" dirty="0"/>
+          </a:p>
+        </p:txBody>
+      </p:sp>
+      <p:pic>
+        <p:nvPicPr>
+          <p:cNvPr id="1026" name="Picture 2"/>
+          <p:cNvPicPr>
+            <a:picLocks noChangeAspect="1" noChangeArrowheads="1"/>
+          </p:cNvPicPr>
+          <p:nvPr/>
+        </p:nvPicPr>
+        <p:blipFill>
+          <a:blip r:embed="rId2">
+            <a:extLst>
+              <a:ext uri="{28A0092B-C50C-407E-A947-70E740481C1C}">
+                <a14:useLocalDpi xmlns:a14="http://schemas.microsoft.com/office/drawing/2010/main" val="0"/>
+              </a:ext>
+            </a:extLst>
+          </a:blip>
+          <a:srcRect/>
+          <a:stretch>
+            <a:fillRect/>
+          </a:stretch>
+        </p:blipFill>
+        <p:spPr bwMode="auto">
+          <a:xfrm>
+            <a:off x="408147" y="1484784"/>
+            <a:ext cx="8496945" cy="2743200"/>
+          </a:xfrm>
+          <a:prstGeom prst="rect">
+            <a:avLst/>
+          </a:prstGeom>
+          <a:noFill/>
+          <a:ln>
+            <a:noFill/>
+          </a:ln>
+          <a:extLst>
+            <a:ext uri="{909E8E84-426E-40DD-AFC4-6F175D3DCCD1}">
+              <a14:hiddenFill xmlns:a14="http://schemas.microsoft.com/office/drawing/2010/main">
+                <a:solidFill>
+                  <a:schemeClr val="accent1"/>
+                </a:solidFill>
+              </a14:hiddenFill>
+            </a:ext>
+            <a:ext uri="{91240B29-F687-4F45-9708-019B960494DF}">
+              <a14:hiddenLine xmlns:a14="http://schemas.microsoft.com/office/drawing/2010/main" w="9525">
+                <a:solidFill>
+                  <a:schemeClr val="tx1"/>
+                </a:solidFill>
+                <a:miter lim="800000"/>
+                <a:headEnd/>
+                <a:tailEnd/>
+              </a14:hiddenLine>
+            </a:ext>
+          </a:extLst>
+        </p:spPr>
+      </p:pic>
+      <p:sp>
+        <p:nvSpPr>
+          <p:cNvPr id="6" name="CaixaDeTexto 5"/>
+          <p:cNvSpPr txBox="1"/>
+          <p:nvPr/>
+        </p:nvSpPr>
+        <p:spPr>
+          <a:xfrm>
+            <a:off x="1835696" y="4653136"/>
+            <a:ext cx="6316153" cy="1384995"/>
+          </a:xfrm>
+          <a:prstGeom prst="rect">
+            <a:avLst/>
+          </a:prstGeom>
+          <a:noFill/>
+        </p:spPr>
+        <p:txBody>
+          <a:bodyPr wrap="none" rtlCol="0">
+            <a:spAutoFit/>
+          </a:bodyPr>
+          <a:lstStyle/>
+          <a:p>
+            <a:r>
+              <a:rPr lang="pt-BR" sz="1200" b="1" dirty="0" smtClean="0"/>
+              <a:t>Classe</a:t>
+            </a:r>
+            <a:r>
+              <a:rPr lang="pt-BR" sz="1200" dirty="0" smtClean="0"/>
+              <a:t>: </a:t>
+            </a:r>
+            <a:r>
+              <a:rPr lang="pt-BR" sz="1200" dirty="0" err="1" smtClean="0"/>
+              <a:t>Character</a:t>
+            </a:r>
+            <a:endParaRPr lang="pt-BR" sz="1200" dirty="0" smtClean="0"/>
+          </a:p>
+          <a:p>
+            <a:endParaRPr lang="pt-BR" sz="1200" dirty="0"/>
+          </a:p>
+          <a:p>
+            <a:r>
+              <a:rPr lang="pt-BR" sz="1200" b="1" dirty="0" smtClean="0"/>
+              <a:t>Descrição</a:t>
+            </a:r>
+            <a:r>
+              <a:rPr lang="pt-BR" sz="1200" dirty="0" smtClean="0"/>
+              <a:t>: Armazena informações gerais sobres personagens jogáveis e monstros</a:t>
+            </a:r>
+          </a:p>
+          <a:p>
+            <a:endParaRPr lang="pt-BR" sz="1200" b="1" dirty="0"/>
+          </a:p>
+          <a:p>
+            <a:r>
+              <a:rPr lang="pt-BR" sz="1200" b="1" dirty="0" smtClean="0"/>
+              <a:t>Herda de </a:t>
+            </a:r>
+            <a:r>
+              <a:rPr lang="pt-BR" sz="1200" dirty="0" smtClean="0"/>
+              <a:t>: Ninguém</a:t>
+            </a:r>
+          </a:p>
+          <a:p>
+            <a:endParaRPr lang="pt-BR" sz="1200" dirty="0" smtClean="0"/>
+          </a:p>
+          <a:p>
+            <a:r>
+              <a:rPr lang="pt-BR" sz="1200" b="1" dirty="0" smtClean="0"/>
+              <a:t>É Herdada por</a:t>
+            </a:r>
+            <a:r>
+              <a:rPr lang="pt-BR" sz="1200" dirty="0" smtClean="0"/>
+              <a:t>: </a:t>
+            </a:r>
+            <a:r>
+              <a:rPr lang="pt-BR" sz="1200" dirty="0" err="1" smtClean="0"/>
+              <a:t>Heroi</a:t>
+            </a:r>
+            <a:r>
+              <a:rPr lang="pt-BR" sz="1200" dirty="0" smtClean="0"/>
+              <a:t> e Monstro</a:t>
+            </a:r>
+            <a:endParaRPr lang="pt-BR" sz="1200" dirty="0"/>
+          </a:p>
+        </p:txBody>
+      </p:sp>
+    </p:spTree>
+    <p:extLst>
+      <p:ext uri="{BB962C8B-B14F-4D97-AF65-F5344CB8AC3E}">
+        <p14:creationId xmlns:p14="http://schemas.microsoft.com/office/powerpoint/2010/main" val="2670677677"/>
+      </p:ext>
+    </p:extLst>
+  </p:cSld>
+  <p:clrMapOvr>
+    <a:masterClrMapping/>
+  </p:clrMapOvr>
 </p:sld>
 </file>
 

--- a/Trabalho final Prog2.pptx
+++ b/Trabalho final Prog2.pptx
@@ -7,15 +7,27 @@
   <p:sldIdLst>
     <p:sldId id="256" r:id="rId2"/>
     <p:sldId id="257" r:id="rId3"/>
-    <p:sldId id="261" r:id="rId4"/>
-    <p:sldId id="258" r:id="rId5"/>
-    <p:sldId id="260" r:id="rId6"/>
-    <p:sldId id="259" r:id="rId7"/>
-    <p:sldId id="262" r:id="rId8"/>
-    <p:sldId id="263" r:id="rId9"/>
-    <p:sldId id="266" r:id="rId10"/>
-    <p:sldId id="265" r:id="rId11"/>
-    <p:sldId id="264" r:id="rId12"/>
+    <p:sldId id="260" r:id="rId4"/>
+    <p:sldId id="259" r:id="rId5"/>
+    <p:sldId id="262" r:id="rId6"/>
+    <p:sldId id="263" r:id="rId7"/>
+    <p:sldId id="266" r:id="rId8"/>
+    <p:sldId id="265" r:id="rId9"/>
+    <p:sldId id="264" r:id="rId10"/>
+    <p:sldId id="279" r:id="rId11"/>
+    <p:sldId id="281" r:id="rId12"/>
+    <p:sldId id="282" r:id="rId13"/>
+    <p:sldId id="268" r:id="rId14"/>
+    <p:sldId id="270" r:id="rId15"/>
+    <p:sldId id="283" r:id="rId16"/>
+    <p:sldId id="284" r:id="rId17"/>
+    <p:sldId id="272" r:id="rId18"/>
+    <p:sldId id="274" r:id="rId19"/>
+    <p:sldId id="285" r:id="rId20"/>
+    <p:sldId id="276" r:id="rId21"/>
+    <p:sldId id="288" r:id="rId22"/>
+    <p:sldId id="287" r:id="rId23"/>
+    <p:sldId id="277" r:id="rId24"/>
   </p:sldIdLst>
   <p:sldSz cx="9144000" cy="6858000" type="screen4x3"/>
   <p:notesSz cx="6858000" cy="9144000"/>
@@ -114,6 +126,22 @@
       </a:defRPr>
     </a:lvl9pPr>
   </p:defaultTextStyle>
+  <p:extLst>
+    <p:ext uri="{EFAFB233-063F-42B5-8137-9DF3F51BA10A}">
+      <p15:sldGuideLst xmlns:p15="http://schemas.microsoft.com/office/powerpoint/2012/main">
+        <p15:guide id="1" orient="horz" pos="2160">
+          <p15:clr>
+            <a:srgbClr val="A4A3A4"/>
+          </p15:clr>
+        </p15:guide>
+        <p15:guide id="2" pos="2880">
+          <p15:clr>
+            <a:srgbClr val="A4A3A4"/>
+          </p15:clr>
+        </p15:guide>
+      </p15:sldGuideLst>
+    </p:ext>
+  </p:extLst>
 </p:presentation>
 </file>
 
@@ -743,7 +771,7 @@
             <a:fld id="{B94505B7-4522-4CB3-A669-E20B0E1B2BCB}" type="datetimeFigureOut">
               <a:rPr lang="pt-BR" smtClean="0"/>
               <a:pPr/>
-              <a:t>18/11/2014</a:t>
+              <a:t>19/11/2014</a:t>
             </a:fld>
             <a:endParaRPr lang="pt-BR"/>
           </a:p>
@@ -941,7 +969,7 @@
             <a:fld id="{B94505B7-4522-4CB3-A669-E20B0E1B2BCB}" type="datetimeFigureOut">
               <a:rPr lang="pt-BR" smtClean="0"/>
               <a:pPr/>
-              <a:t>18/11/2014</a:t>
+              <a:t>19/11/2014</a:t>
             </a:fld>
             <a:endParaRPr lang="pt-BR"/>
           </a:p>
@@ -1128,7 +1156,7 @@
             <a:fld id="{B94505B7-4522-4CB3-A669-E20B0E1B2BCB}" type="datetimeFigureOut">
               <a:rPr lang="pt-BR" smtClean="0"/>
               <a:pPr/>
-              <a:t>18/11/2014</a:t>
+              <a:t>19/11/2014</a:t>
             </a:fld>
             <a:endParaRPr lang="pt-BR"/>
           </a:p>
@@ -1280,7 +1308,7 @@
             <a:fld id="{B94505B7-4522-4CB3-A669-E20B0E1B2BCB}" type="datetimeFigureOut">
               <a:rPr lang="pt-BR" smtClean="0"/>
               <a:pPr/>
-              <a:t>18/11/2014</a:t>
+              <a:t>19/11/2014</a:t>
             </a:fld>
             <a:endParaRPr lang="pt-BR"/>
           </a:p>
@@ -1532,7 +1560,7 @@
             <a:fld id="{B94505B7-4522-4CB3-A669-E20B0E1B2BCB}" type="datetimeFigureOut">
               <a:rPr lang="pt-BR" smtClean="0"/>
               <a:pPr/>
-              <a:t>18/11/2014</a:t>
+              <a:t>19/11/2014</a:t>
             </a:fld>
             <a:endParaRPr lang="pt-BR"/>
           </a:p>
@@ -1938,7 +1966,7 @@
             <a:fld id="{B94505B7-4522-4CB3-A669-E20B0E1B2BCB}" type="datetimeFigureOut">
               <a:rPr lang="pt-BR" smtClean="0"/>
               <a:pPr/>
-              <a:t>18/11/2014</a:t>
+              <a:t>19/11/2014</a:t>
             </a:fld>
             <a:endParaRPr lang="pt-BR"/>
           </a:p>
@@ -2381,7 +2409,7 @@
             <a:fld id="{B94505B7-4522-4CB3-A669-E20B0E1B2BCB}" type="datetimeFigureOut">
               <a:rPr lang="pt-BR" smtClean="0"/>
               <a:pPr/>
-              <a:t>18/11/2014</a:t>
+              <a:t>19/11/2014</a:t>
             </a:fld>
             <a:endParaRPr lang="pt-BR"/>
           </a:p>
@@ -2479,7 +2507,7 @@
             <a:fld id="{B94505B7-4522-4CB3-A669-E20B0E1B2BCB}" type="datetimeFigureOut">
               <a:rPr lang="pt-BR" smtClean="0"/>
               <a:pPr/>
-              <a:t>18/11/2014</a:t>
+              <a:t>19/11/2014</a:t>
             </a:fld>
             <a:endParaRPr lang="pt-BR"/>
           </a:p>
@@ -2602,7 +2630,7 @@
             <a:fld id="{B94505B7-4522-4CB3-A669-E20B0E1B2BCB}" type="datetimeFigureOut">
               <a:rPr lang="pt-BR" smtClean="0"/>
               <a:pPr/>
-              <a:t>18/11/2014</a:t>
+              <a:t>19/11/2014</a:t>
             </a:fld>
             <a:endParaRPr lang="pt-BR"/>
           </a:p>
@@ -2873,7 +2901,7 @@
             <a:fld id="{B94505B7-4522-4CB3-A669-E20B0E1B2BCB}" type="datetimeFigureOut">
               <a:rPr lang="pt-BR" smtClean="0"/>
               <a:pPr/>
-              <a:t>18/11/2014</a:t>
+              <a:t>19/11/2014</a:t>
             </a:fld>
             <a:endParaRPr lang="pt-BR"/>
           </a:p>
@@ -3075,7 +3103,7 @@
             <a:fld id="{B94505B7-4522-4CB3-A669-E20B0E1B2BCB}" type="datetimeFigureOut">
               <a:rPr lang="pt-BR" smtClean="0"/>
               <a:pPr/>
-              <a:t>18/11/2014</a:t>
+              <a:t>19/11/2014</a:t>
             </a:fld>
             <a:endParaRPr lang="pt-BR"/>
           </a:p>
@@ -4196,7 +4224,7 @@
             <a:fld id="{B94505B7-4522-4CB3-A669-E20B0E1B2BCB}" type="datetimeFigureOut">
               <a:rPr lang="pt-BR" smtClean="0"/>
               <a:pPr/>
-              <a:t>18/11/2014</a:t>
+              <a:t>19/11/2014</a:t>
             </a:fld>
             <a:endParaRPr lang="pt-BR"/>
           </a:p>
@@ -4872,53 +4900,12 @@
           <a:bodyPr/>
           <a:lstStyle/>
           <a:p>
-            <a:r>
-              <a:rPr lang="pt-BR" dirty="0" smtClean="0"/>
-              <a:t>Classes até agora construídas:</a:t>
-            </a:r>
-          </a:p>
-          <a:p>
-            <a:r>
-              <a:rPr lang="pt-BR" dirty="0"/>
-              <a:t>- </a:t>
-            </a:r>
-            <a:r>
-              <a:rPr lang="pt-BR" dirty="0" err="1" smtClean="0"/>
-              <a:t>Character</a:t>
-            </a:r>
+            <a:endParaRPr lang="pt-BR" dirty="0"/>
+          </a:p>
+          <a:p>
             <a:endParaRPr lang="pt-BR" dirty="0" smtClean="0"/>
           </a:p>
           <a:p>
-            <a:r>
-              <a:rPr lang="pt-BR" dirty="0" smtClean="0"/>
-              <a:t>- </a:t>
-            </a:r>
-            <a:r>
-              <a:rPr lang="pt-BR" dirty="0" smtClean="0">
-                <a:solidFill>
-                  <a:srgbClr val="FF0000"/>
-                </a:solidFill>
-              </a:rPr>
-              <a:t>Herói</a:t>
-            </a:r>
-          </a:p>
-          <a:p>
-            <a:r>
-              <a:rPr lang="pt-BR" dirty="0" smtClean="0"/>
-              <a:t>- Item</a:t>
-            </a:r>
-          </a:p>
-          <a:p>
-            <a:r>
-              <a:rPr lang="pt-BR" dirty="0" smtClean="0"/>
-              <a:t>- Monstro</a:t>
-            </a:r>
-          </a:p>
-          <a:p>
-            <a:r>
-              <a:rPr lang="pt-BR" dirty="0" smtClean="0"/>
-              <a:t>-Magia</a:t>
-            </a:r>
             <a:endParaRPr lang="pt-BR" dirty="0"/>
           </a:p>
         </p:txBody>
@@ -4942,8 +4929,136 @@
           <a:p>
             <a:r>
               <a:rPr lang="pt-BR" dirty="0" smtClean="0"/>
-              <a:t>Projeto</a:t>
-            </a:r>
+              <a:t>Classe </a:t>
+            </a:r>
+            <a:r>
+              <a:rPr lang="pt-BR" dirty="0" err="1" smtClean="0"/>
+              <a:t>Heroi</a:t>
+            </a:r>
+            <a:r>
+              <a:rPr lang="pt-BR" dirty="0" smtClean="0"/>
+              <a:t> – Subclasses</a:t>
+            </a:r>
+            <a:endParaRPr lang="pt-BR" dirty="0"/>
+          </a:p>
+        </p:txBody>
+      </p:sp>
+      <p:pic>
+        <p:nvPicPr>
+          <p:cNvPr id="7" name="Imagem 6" descr="02-1.PNG"/>
+          <p:cNvPicPr>
+            <a:picLocks noChangeAspect="1"/>
+          </p:cNvPicPr>
+          <p:nvPr/>
+        </p:nvPicPr>
+        <p:blipFill>
+          <a:blip r:embed="rId2"/>
+          <a:stretch>
+            <a:fillRect/>
+          </a:stretch>
+        </p:blipFill>
+        <p:spPr>
+          <a:xfrm>
+            <a:off x="214282" y="3786190"/>
+            <a:ext cx="8591402" cy="1285884"/>
+          </a:xfrm>
+          <a:prstGeom prst="rect">
+            <a:avLst/>
+          </a:prstGeom>
+        </p:spPr>
+      </p:pic>
+      <p:pic>
+        <p:nvPicPr>
+          <p:cNvPr id="8" name="Imagem 7" descr="02-2.PNG"/>
+          <p:cNvPicPr>
+            <a:picLocks noChangeAspect="1"/>
+          </p:cNvPicPr>
+          <p:nvPr/>
+        </p:nvPicPr>
+        <p:blipFill>
+          <a:blip r:embed="rId3"/>
+          <a:stretch>
+            <a:fillRect/>
+          </a:stretch>
+        </p:blipFill>
+        <p:spPr>
+          <a:xfrm>
+            <a:off x="216355" y="1357298"/>
+            <a:ext cx="8927645" cy="1500198"/>
+          </a:xfrm>
+          <a:prstGeom prst="rect">
+            <a:avLst/>
+          </a:prstGeom>
+        </p:spPr>
+      </p:pic>
+      <p:sp>
+        <p:nvSpPr>
+          <p:cNvPr id="9" name="CaixaDeTexto 8"/>
+          <p:cNvSpPr txBox="1"/>
+          <p:nvPr/>
+        </p:nvSpPr>
+        <p:spPr>
+          <a:xfrm>
+            <a:off x="3500430" y="2928934"/>
+            <a:ext cx="1500198" cy="553998"/>
+          </a:xfrm>
+          <a:prstGeom prst="rect">
+            <a:avLst/>
+          </a:prstGeom>
+          <a:noFill/>
+        </p:spPr>
+        <p:txBody>
+          <a:bodyPr wrap="square" rtlCol="0">
+            <a:spAutoFit/>
+          </a:bodyPr>
+          <a:lstStyle/>
+          <a:p>
+            <a:r>
+              <a:rPr lang="pt-BR" sz="1200" b="1" dirty="0" smtClean="0"/>
+              <a:t>Subclasse:</a:t>
+            </a:r>
+            <a:r>
+              <a:rPr lang="pt-BR" sz="1200" dirty="0" smtClean="0"/>
+              <a:t> Mago</a:t>
+            </a:r>
+          </a:p>
+          <a:p>
+            <a:endParaRPr lang="pt-BR" dirty="0"/>
+          </a:p>
+        </p:txBody>
+      </p:sp>
+      <p:sp>
+        <p:nvSpPr>
+          <p:cNvPr id="10" name="CaixaDeTexto 9"/>
+          <p:cNvSpPr txBox="1"/>
+          <p:nvPr/>
+        </p:nvSpPr>
+        <p:spPr>
+          <a:xfrm>
+            <a:off x="3571868" y="5214950"/>
+            <a:ext cx="1507144" cy="553998"/>
+          </a:xfrm>
+          <a:prstGeom prst="rect">
+            <a:avLst/>
+          </a:prstGeom>
+          <a:noFill/>
+        </p:spPr>
+        <p:txBody>
+          <a:bodyPr wrap="none" rtlCol="0">
+            <a:spAutoFit/>
+          </a:bodyPr>
+          <a:lstStyle/>
+          <a:p>
+            <a:r>
+              <a:rPr lang="pt-BR" sz="1200" b="1" dirty="0" smtClean="0"/>
+              <a:t>Subclasse:</a:t>
+            </a:r>
+            <a:r>
+              <a:rPr lang="pt-BR" sz="1200" dirty="0" smtClean="0"/>
+              <a:t> Ladino</a:t>
+            </a:r>
+          </a:p>
+          <a:p>
             <a:endParaRPr lang="pt-BR" dirty="0"/>
           </a:p>
         </p:txBody>
@@ -4951,7 +5066,7 @@
     </p:spTree>
     <p:extLst>
       <p:ext uri="{BB962C8B-B14F-4D97-AF65-F5344CB8AC3E}">
-        <p14:creationId xmlns:p14="http://schemas.microsoft.com/office/powerpoint/2010/main" val="3078248800"/>
+        <p14:creationId xmlns:p14="http://schemas.microsoft.com/office/powerpoint/2010/main" val="4066930787"/>
       </p:ext>
     </p:extLst>
   </p:cSld>
@@ -5035,101 +5150,77 @@
               <a:rPr lang="pt-BR" dirty="0" err="1" smtClean="0"/>
               <a:t>Heroi</a:t>
             </a:r>
+            <a:r>
+              <a:rPr lang="pt-BR" dirty="0" smtClean="0"/>
+              <a:t> – Subclasses</a:t>
+            </a:r>
+            <a:endParaRPr lang="pt-BR" dirty="0"/>
+          </a:p>
+        </p:txBody>
+      </p:sp>
+      <p:sp>
+        <p:nvSpPr>
+          <p:cNvPr id="9" name="CaixaDeTexto 8"/>
+          <p:cNvSpPr txBox="1"/>
+          <p:nvPr/>
+        </p:nvSpPr>
+        <p:spPr>
+          <a:xfrm>
+            <a:off x="3571868" y="4286256"/>
+            <a:ext cx="1785950" cy="738664"/>
+          </a:xfrm>
+          <a:prstGeom prst="rect">
+            <a:avLst/>
+          </a:prstGeom>
+          <a:noFill/>
+        </p:spPr>
+        <p:txBody>
+          <a:bodyPr wrap="square" rtlCol="0">
+            <a:spAutoFit/>
+          </a:bodyPr>
+          <a:lstStyle/>
+          <a:p>
+            <a:r>
+              <a:rPr lang="pt-BR" sz="1200" b="1" dirty="0" smtClean="0"/>
+              <a:t>Subclasse:</a:t>
+            </a:r>
+            <a:r>
+              <a:rPr lang="pt-BR" sz="1200" dirty="0" smtClean="0"/>
+              <a:t> Guerreiro</a:t>
+            </a:r>
+          </a:p>
+          <a:p>
+            <a:endParaRPr lang="pt-BR" sz="1200" dirty="0" smtClean="0"/>
+          </a:p>
+          <a:p>
             <a:endParaRPr lang="pt-BR" dirty="0"/>
           </a:p>
         </p:txBody>
       </p:sp>
       <p:pic>
         <p:nvPicPr>
-          <p:cNvPr id="4" name="Imagem 3"/>
+          <p:cNvPr id="11" name="Imagem 10" descr="02-3.PNG"/>
           <p:cNvPicPr>
             <a:picLocks noChangeAspect="1"/>
           </p:cNvPicPr>
           <p:nvPr/>
         </p:nvPicPr>
         <p:blipFill>
-          <a:blip r:embed="rId2">
-            <a:extLst>
-              <a:ext uri="{28A0092B-C50C-407E-A947-70E740481C1C}">
-                <a14:useLocalDpi xmlns:a14="http://schemas.microsoft.com/office/drawing/2010/main" val="0"/>
-              </a:ext>
-            </a:extLst>
-          </a:blip>
+          <a:blip r:embed="rId2"/>
           <a:stretch>
             <a:fillRect/>
           </a:stretch>
         </p:blipFill>
         <p:spPr>
           <a:xfrm>
-            <a:off x="323528" y="1484784"/>
-            <a:ext cx="8676456" cy="3116617"/>
+            <a:off x="785786" y="2714620"/>
+            <a:ext cx="8156985" cy="1357322"/>
           </a:xfrm>
           <a:prstGeom prst="rect">
             <a:avLst/>
           </a:prstGeom>
         </p:spPr>
       </p:pic>
-      <p:sp>
-        <p:nvSpPr>
-          <p:cNvPr id="5" name="CaixaDeTexto 4"/>
-          <p:cNvSpPr txBox="1"/>
-          <p:nvPr/>
-        </p:nvSpPr>
-        <p:spPr>
-          <a:xfrm>
-            <a:off x="1907704" y="4774200"/>
-            <a:ext cx="7369325" cy="1384995"/>
-          </a:xfrm>
-          <a:prstGeom prst="rect">
-            <a:avLst/>
-          </a:prstGeom>
-          <a:noFill/>
-        </p:spPr>
-        <p:txBody>
-          <a:bodyPr wrap="none" rtlCol="0">
-            <a:spAutoFit/>
-          </a:bodyPr>
-          <a:lstStyle/>
-          <a:p>
-            <a:r>
-              <a:rPr lang="pt-BR" sz="1200" dirty="0" smtClean="0"/>
-              <a:t>Classe: </a:t>
-            </a:r>
-            <a:r>
-              <a:rPr lang="pt-BR" sz="1200" dirty="0" err="1" smtClean="0"/>
-              <a:t>Heroi</a:t>
-            </a:r>
-            <a:endParaRPr lang="pt-BR" sz="1200" dirty="0" smtClean="0"/>
-          </a:p>
-          <a:p>
-            <a:endParaRPr lang="pt-BR" sz="1200" dirty="0" smtClean="0"/>
-          </a:p>
-          <a:p>
-            <a:r>
-              <a:rPr lang="pt-BR" sz="1200" dirty="0" smtClean="0"/>
-              <a:t>Descrição: Armazena as informações básicas dos personagens jogáveis, como nome e descrição</a:t>
-            </a:r>
-          </a:p>
-          <a:p>
-            <a:endParaRPr lang="pt-BR" sz="1200" dirty="0"/>
-          </a:p>
-          <a:p>
-            <a:r>
-              <a:rPr lang="pt-BR" sz="1200" dirty="0" smtClean="0"/>
-              <a:t>Herda de: Char</a:t>
-            </a:r>
-          </a:p>
-          <a:p>
-            <a:endParaRPr lang="pt-BR" sz="1200" dirty="0"/>
-          </a:p>
-          <a:p>
-            <a:r>
-              <a:rPr lang="pt-BR" sz="1200" dirty="0" smtClean="0"/>
-              <a:t>É herdado por: Mago, Guerreiro, Ladino</a:t>
-            </a:r>
-          </a:p>
-        </p:txBody>
-      </p:sp>
     </p:spTree>
     <p:extLst>
       <p:ext uri="{BB962C8B-B14F-4D97-AF65-F5344CB8AC3E}">
@@ -5140,6 +5231,1299 @@
   <p:clrMapOvr>
     <a:masterClrMapping/>
   </p:clrMapOvr>
+  <p:timing>
+    <p:tnLst>
+      <p:par>
+        <p:cTn id="1" dur="indefinite" restart="never" nodeType="tmRoot"/>
+      </p:par>
+    </p:tnLst>
+  </p:timing>
+</p:sld>
+</file>
+
+<file path=ppt/slides/slide12.xml><?xml version="1.0" encoding="utf-8"?>
+<p:sld xmlns:a="http://schemas.openxmlformats.org/drawingml/2006/main" xmlns:r="http://schemas.openxmlformats.org/officeDocument/2006/relationships" xmlns:p="http://schemas.openxmlformats.org/presentationml/2006/main">
+  <p:cSld>
+    <p:spTree>
+      <p:nvGrpSpPr>
+        <p:cNvPr id="1" name=""/>
+        <p:cNvGrpSpPr/>
+        <p:nvPr/>
+      </p:nvGrpSpPr>
+      <p:grpSpPr>
+        <a:xfrm>
+          <a:off x="0" y="0"/>
+          <a:ext cx="0" cy="0"/>
+          <a:chOff x="0" y="0"/>
+          <a:chExt cx="0" cy="0"/>
+        </a:xfrm>
+      </p:grpSpPr>
+      <p:sp>
+        <p:nvSpPr>
+          <p:cNvPr id="2" name="Espaço Reservado para Conteúdo 1"/>
+          <p:cNvSpPr>
+            <a:spLocks noGrp="1"/>
+          </p:cNvSpPr>
+          <p:nvPr>
+            <p:ph idx="1"/>
+          </p:nvPr>
+        </p:nvSpPr>
+        <p:spPr/>
+        <p:txBody>
+          <a:bodyPr/>
+          <a:lstStyle/>
+          <a:p>
+            <a:endParaRPr lang="pt-BR" dirty="0"/>
+          </a:p>
+          <a:p>
+            <a:endParaRPr lang="pt-BR" dirty="0" smtClean="0"/>
+          </a:p>
+          <a:p>
+            <a:endParaRPr lang="pt-BR" dirty="0"/>
+          </a:p>
+        </p:txBody>
+      </p:sp>
+      <p:sp>
+        <p:nvSpPr>
+          <p:cNvPr id="3" name="Título 2"/>
+          <p:cNvSpPr>
+            <a:spLocks noGrp="1"/>
+          </p:cNvSpPr>
+          <p:nvPr>
+            <p:ph type="title"/>
+          </p:nvPr>
+        </p:nvSpPr>
+        <p:spPr/>
+        <p:txBody>
+          <a:bodyPr>
+            <a:normAutofit/>
+          </a:bodyPr>
+          <a:lstStyle/>
+          <a:p>
+            <a:r>
+              <a:rPr lang="pt-BR" dirty="0" smtClean="0"/>
+              <a:t>Classe </a:t>
+            </a:r>
+            <a:r>
+              <a:rPr lang="pt-BR" dirty="0" err="1" smtClean="0"/>
+              <a:t>Heroi</a:t>
+            </a:r>
+            <a:r>
+              <a:rPr lang="pt-BR" dirty="0" smtClean="0"/>
+              <a:t> – Subclasses</a:t>
+            </a:r>
+            <a:endParaRPr lang="pt-BR" dirty="0"/>
+          </a:p>
+        </p:txBody>
+      </p:sp>
+      <p:sp>
+        <p:nvSpPr>
+          <p:cNvPr id="9" name="CaixaDeTexto 8"/>
+          <p:cNvSpPr txBox="1"/>
+          <p:nvPr/>
+        </p:nvSpPr>
+        <p:spPr>
+          <a:xfrm>
+            <a:off x="3571868" y="4286256"/>
+            <a:ext cx="1785950" cy="738664"/>
+          </a:xfrm>
+          <a:prstGeom prst="rect">
+            <a:avLst/>
+          </a:prstGeom>
+          <a:noFill/>
+        </p:spPr>
+        <p:txBody>
+          <a:bodyPr wrap="square" rtlCol="0">
+            <a:spAutoFit/>
+          </a:bodyPr>
+          <a:lstStyle/>
+          <a:p>
+            <a:r>
+              <a:rPr lang="pt-BR" sz="1200" b="1" dirty="0" smtClean="0"/>
+              <a:t>Subclasse:</a:t>
+            </a:r>
+            <a:r>
+              <a:rPr lang="pt-BR" sz="1200" dirty="0" smtClean="0"/>
+              <a:t> Guerreiro</a:t>
+            </a:r>
+          </a:p>
+          <a:p>
+            <a:endParaRPr lang="pt-BR" sz="1200" dirty="0" smtClean="0"/>
+          </a:p>
+          <a:p>
+            <a:endParaRPr lang="pt-BR" dirty="0"/>
+          </a:p>
+        </p:txBody>
+      </p:sp>
+      <p:pic>
+        <p:nvPicPr>
+          <p:cNvPr id="11" name="Imagem 10" descr="02-3.PNG"/>
+          <p:cNvPicPr>
+            <a:picLocks noChangeAspect="1"/>
+          </p:cNvPicPr>
+          <p:nvPr/>
+        </p:nvPicPr>
+        <p:blipFill>
+          <a:blip r:embed="rId2"/>
+          <a:stretch>
+            <a:fillRect/>
+          </a:stretch>
+        </p:blipFill>
+        <p:spPr>
+          <a:xfrm>
+            <a:off x="785786" y="2714620"/>
+            <a:ext cx="8156985" cy="1357322"/>
+          </a:xfrm>
+          <a:prstGeom prst="rect">
+            <a:avLst/>
+          </a:prstGeom>
+        </p:spPr>
+      </p:pic>
+    </p:spTree>
+    <p:extLst>
+      <p:ext uri="{BB962C8B-B14F-4D97-AF65-F5344CB8AC3E}">
+        <p14:creationId xmlns:p14="http://schemas.microsoft.com/office/powerpoint/2010/main" val="4066930787"/>
+      </p:ext>
+    </p:extLst>
+  </p:cSld>
+  <p:clrMapOvr>
+    <a:masterClrMapping/>
+  </p:clrMapOvr>
+  <p:timing>
+    <p:tnLst>
+      <p:par>
+        <p:cTn id="1" dur="indefinite" restart="never" nodeType="tmRoot"/>
+      </p:par>
+    </p:tnLst>
+  </p:timing>
+</p:sld>
+</file>
+
+<file path=ppt/slides/slide13.xml><?xml version="1.0" encoding="utf-8"?>
+<p:sld xmlns:a="http://schemas.openxmlformats.org/drawingml/2006/main" xmlns:r="http://schemas.openxmlformats.org/officeDocument/2006/relationships" xmlns:p="http://schemas.openxmlformats.org/presentationml/2006/main">
+  <p:cSld>
+    <p:spTree>
+      <p:nvGrpSpPr>
+        <p:cNvPr id="1" name=""/>
+        <p:cNvGrpSpPr/>
+        <p:nvPr/>
+      </p:nvGrpSpPr>
+      <p:grpSpPr>
+        <a:xfrm>
+          <a:off x="0" y="0"/>
+          <a:ext cx="0" cy="0"/>
+          <a:chOff x="0" y="0"/>
+          <a:chExt cx="0" cy="0"/>
+        </a:xfrm>
+      </p:grpSpPr>
+      <p:sp>
+        <p:nvSpPr>
+          <p:cNvPr id="2" name="Espaço Reservado para Conteúdo 1"/>
+          <p:cNvSpPr>
+            <a:spLocks noGrp="1"/>
+          </p:cNvSpPr>
+          <p:nvPr>
+            <p:ph idx="1"/>
+          </p:nvPr>
+        </p:nvSpPr>
+        <p:spPr/>
+        <p:txBody>
+          <a:bodyPr/>
+          <a:lstStyle/>
+          <a:p>
+            <a:r>
+              <a:rPr lang="pt-BR" dirty="0" smtClean="0"/>
+              <a:t>Classes até agora construídas:</a:t>
+            </a:r>
+          </a:p>
+          <a:p>
+            <a:r>
+              <a:rPr lang="pt-BR" dirty="0"/>
+              <a:t>- </a:t>
+            </a:r>
+            <a:r>
+              <a:rPr lang="pt-BR" dirty="0" smtClean="0"/>
+              <a:t>Atributos</a:t>
+            </a:r>
+          </a:p>
+          <a:p>
+            <a:r>
+              <a:rPr lang="pt-BR" dirty="0" smtClean="0"/>
+              <a:t>- Herói</a:t>
+            </a:r>
+          </a:p>
+          <a:p>
+            <a:r>
+              <a:rPr lang="pt-BR" dirty="0" smtClean="0"/>
+              <a:t>- </a:t>
+            </a:r>
+            <a:r>
+              <a:rPr lang="pt-BR" dirty="0" smtClean="0">
+                <a:solidFill>
+                  <a:srgbClr val="FF0000"/>
+                </a:solidFill>
+              </a:rPr>
+              <a:t>Item</a:t>
+            </a:r>
+          </a:p>
+          <a:p>
+            <a:r>
+              <a:rPr lang="pt-BR" dirty="0" smtClean="0"/>
+              <a:t>- Monstro</a:t>
+            </a:r>
+          </a:p>
+          <a:p>
+            <a:r>
+              <a:rPr lang="pt-BR" dirty="0" smtClean="0"/>
+              <a:t>- Magia</a:t>
+            </a:r>
+          </a:p>
+          <a:p>
+            <a:r>
+              <a:rPr lang="pt-BR" dirty="0" smtClean="0"/>
+              <a:t>- Elemento</a:t>
+            </a:r>
+            <a:endParaRPr lang="pt-BR" dirty="0"/>
+          </a:p>
+        </p:txBody>
+      </p:sp>
+      <p:sp>
+        <p:nvSpPr>
+          <p:cNvPr id="3" name="Título 2"/>
+          <p:cNvSpPr>
+            <a:spLocks noGrp="1"/>
+          </p:cNvSpPr>
+          <p:nvPr>
+            <p:ph type="title"/>
+          </p:nvPr>
+        </p:nvSpPr>
+        <p:spPr/>
+        <p:txBody>
+          <a:bodyPr>
+            <a:normAutofit/>
+          </a:bodyPr>
+          <a:lstStyle/>
+          <a:p>
+            <a:r>
+              <a:rPr lang="pt-BR" dirty="0" smtClean="0"/>
+              <a:t>Projeto</a:t>
+            </a:r>
+            <a:endParaRPr lang="pt-BR" dirty="0"/>
+          </a:p>
+        </p:txBody>
+      </p:sp>
+    </p:spTree>
+    <p:extLst>
+      <p:ext uri="{BB962C8B-B14F-4D97-AF65-F5344CB8AC3E}">
+        <p14:creationId xmlns:p14="http://schemas.microsoft.com/office/powerpoint/2010/main" val="3078248800"/>
+      </p:ext>
+    </p:extLst>
+  </p:cSld>
+  <p:clrMapOvr>
+    <a:masterClrMapping/>
+  </p:clrMapOvr>
+  <p:timing>
+    <p:tnLst>
+      <p:par>
+        <p:cTn id="1" dur="indefinite" restart="never" nodeType="tmRoot"/>
+      </p:par>
+    </p:tnLst>
+  </p:timing>
+</p:sld>
+</file>
+
+<file path=ppt/slides/slide14.xml><?xml version="1.0" encoding="utf-8"?>
+<p:sld xmlns:a="http://schemas.openxmlformats.org/drawingml/2006/main" xmlns:r="http://schemas.openxmlformats.org/officeDocument/2006/relationships" xmlns:p="http://schemas.openxmlformats.org/presentationml/2006/main">
+  <p:cSld>
+    <p:spTree>
+      <p:nvGrpSpPr>
+        <p:cNvPr id="1" name=""/>
+        <p:cNvGrpSpPr/>
+        <p:nvPr/>
+      </p:nvGrpSpPr>
+      <p:grpSpPr>
+        <a:xfrm>
+          <a:off x="0" y="0"/>
+          <a:ext cx="0" cy="0"/>
+          <a:chOff x="0" y="0"/>
+          <a:chExt cx="0" cy="0"/>
+        </a:xfrm>
+      </p:grpSpPr>
+      <p:sp>
+        <p:nvSpPr>
+          <p:cNvPr id="3" name="Título 2"/>
+          <p:cNvSpPr>
+            <a:spLocks noGrp="1"/>
+          </p:cNvSpPr>
+          <p:nvPr>
+            <p:ph type="title"/>
+          </p:nvPr>
+        </p:nvSpPr>
+        <p:spPr/>
+        <p:txBody>
+          <a:bodyPr/>
+          <a:lstStyle/>
+          <a:p>
+            <a:r>
+              <a:rPr lang="pt-BR" dirty="0" smtClean="0"/>
+              <a:t>Classe Item</a:t>
+            </a:r>
+            <a:endParaRPr lang="pt-BR" dirty="0"/>
+          </a:p>
+        </p:txBody>
+      </p:sp>
+      <p:sp>
+        <p:nvSpPr>
+          <p:cNvPr id="5" name="Espaço Reservado para Conteúdo 4"/>
+          <p:cNvSpPr>
+            <a:spLocks noGrp="1"/>
+          </p:cNvSpPr>
+          <p:nvPr>
+            <p:ph idx="1"/>
+          </p:nvPr>
+        </p:nvSpPr>
+        <p:spPr/>
+        <p:txBody>
+          <a:bodyPr/>
+          <a:lstStyle/>
+          <a:p>
+            <a:pPr marL="109728" indent="0">
+              <a:buNone/>
+            </a:pPr>
+            <a:endParaRPr lang="pt-BR" dirty="0" smtClean="0"/>
+          </a:p>
+          <a:p>
+            <a:pPr marL="109728" indent="0">
+              <a:buNone/>
+            </a:pPr>
+            <a:endParaRPr lang="pt-BR" dirty="0"/>
+          </a:p>
+        </p:txBody>
+      </p:sp>
+      <p:sp>
+        <p:nvSpPr>
+          <p:cNvPr id="6" name="CaixaDeTexto 5"/>
+          <p:cNvSpPr txBox="1"/>
+          <p:nvPr/>
+        </p:nvSpPr>
+        <p:spPr>
+          <a:xfrm>
+            <a:off x="1835696" y="4653136"/>
+            <a:ext cx="7026282" cy="1754326"/>
+          </a:xfrm>
+          <a:prstGeom prst="rect">
+            <a:avLst/>
+          </a:prstGeom>
+          <a:noFill/>
+        </p:spPr>
+        <p:txBody>
+          <a:bodyPr wrap="none" rtlCol="0">
+            <a:spAutoFit/>
+          </a:bodyPr>
+          <a:lstStyle/>
+          <a:p>
+            <a:r>
+              <a:rPr lang="pt-BR" sz="1200" b="1" dirty="0" smtClean="0"/>
+              <a:t>Classe</a:t>
+            </a:r>
+            <a:r>
+              <a:rPr lang="pt-BR" sz="1200" dirty="0" smtClean="0"/>
+              <a:t>: Item</a:t>
+            </a:r>
+          </a:p>
+          <a:p>
+            <a:endParaRPr lang="pt-BR" sz="1200" dirty="0" smtClean="0"/>
+          </a:p>
+          <a:p>
+            <a:r>
+              <a:rPr lang="pt-BR" sz="1200" b="1" dirty="0" smtClean="0"/>
+              <a:t>Descrição</a:t>
+            </a:r>
+            <a:r>
+              <a:rPr lang="pt-BR" sz="1200" dirty="0" smtClean="0"/>
+              <a:t>: Abrangendo não só itens de curas ou de ataque mas também equipamentos, a</a:t>
+            </a:r>
+          </a:p>
+          <a:p>
+            <a:r>
+              <a:rPr lang="pt-BR" sz="1200" dirty="0" smtClean="0"/>
+              <a:t>classe responsável por guardar informações comuns a todos os itens provavelmente será a </a:t>
+            </a:r>
+          </a:p>
+          <a:p>
+            <a:r>
+              <a:rPr lang="pt-BR" sz="1200" dirty="0" smtClean="0"/>
+              <a:t>que vai ter o maior número de subclasses.</a:t>
+            </a:r>
+          </a:p>
+          <a:p>
+            <a:endParaRPr lang="pt-BR" sz="1200" b="1" dirty="0"/>
+          </a:p>
+          <a:p>
+            <a:r>
+              <a:rPr lang="pt-BR" sz="1200" b="1" dirty="0" smtClean="0"/>
+              <a:t>Herda de </a:t>
+            </a:r>
+            <a:r>
+              <a:rPr lang="pt-BR" sz="1200" dirty="0" smtClean="0"/>
+              <a:t>: Ninguém</a:t>
+            </a:r>
+          </a:p>
+          <a:p>
+            <a:endParaRPr lang="pt-BR" sz="1200" dirty="0" smtClean="0"/>
+          </a:p>
+          <a:p>
+            <a:r>
+              <a:rPr lang="pt-BR" sz="1200" b="1" dirty="0" smtClean="0"/>
+              <a:t>É Herdada por</a:t>
+            </a:r>
+            <a:r>
+              <a:rPr lang="pt-BR" sz="1200" dirty="0" smtClean="0"/>
+              <a:t>: Equipamento</a:t>
+            </a:r>
+            <a:endParaRPr lang="pt-BR" sz="1200" dirty="0"/>
+          </a:p>
+        </p:txBody>
+      </p:sp>
+      <p:pic>
+        <p:nvPicPr>
+          <p:cNvPr id="9" name="Imagem 8" descr="04.PNG"/>
+          <p:cNvPicPr>
+            <a:picLocks noChangeAspect="1"/>
+          </p:cNvPicPr>
+          <p:nvPr/>
+        </p:nvPicPr>
+        <p:blipFill>
+          <a:blip r:embed="rId2"/>
+          <a:stretch>
+            <a:fillRect/>
+          </a:stretch>
+        </p:blipFill>
+        <p:spPr>
+          <a:xfrm>
+            <a:off x="357158" y="1428736"/>
+            <a:ext cx="8215370" cy="3000396"/>
+          </a:xfrm>
+          <a:prstGeom prst="rect">
+            <a:avLst/>
+          </a:prstGeom>
+        </p:spPr>
+      </p:pic>
+    </p:spTree>
+    <p:extLst>
+      <p:ext uri="{BB962C8B-B14F-4D97-AF65-F5344CB8AC3E}">
+        <p14:creationId xmlns:p14="http://schemas.microsoft.com/office/powerpoint/2010/main" val="2670677677"/>
+      </p:ext>
+    </p:extLst>
+  </p:cSld>
+  <p:clrMapOvr>
+    <a:masterClrMapping/>
+  </p:clrMapOvr>
+  <p:timing>
+    <p:tnLst>
+      <p:par>
+        <p:cTn id="1" dur="indefinite" restart="never" nodeType="tmRoot"/>
+      </p:par>
+    </p:tnLst>
+  </p:timing>
+</p:sld>
+</file>
+
+<file path=ppt/slides/slide15.xml><?xml version="1.0" encoding="utf-8"?>
+<p:sld xmlns:a="http://schemas.openxmlformats.org/drawingml/2006/main" xmlns:r="http://schemas.openxmlformats.org/officeDocument/2006/relationships" xmlns:p="http://schemas.openxmlformats.org/presentationml/2006/main">
+  <p:cSld>
+    <p:spTree>
+      <p:nvGrpSpPr>
+        <p:cNvPr id="1" name=""/>
+        <p:cNvGrpSpPr/>
+        <p:nvPr/>
+      </p:nvGrpSpPr>
+      <p:grpSpPr>
+        <a:xfrm>
+          <a:off x="0" y="0"/>
+          <a:ext cx="0" cy="0"/>
+          <a:chOff x="0" y="0"/>
+          <a:chExt cx="0" cy="0"/>
+        </a:xfrm>
+      </p:grpSpPr>
+      <p:pic>
+        <p:nvPicPr>
+          <p:cNvPr id="4" name="Espaço Reservado para Conteúdo 3" descr="04-1.PNG"/>
+          <p:cNvPicPr>
+            <a:picLocks noGrp="1" noChangeAspect="1"/>
+          </p:cNvPicPr>
+          <p:nvPr>
+            <p:ph idx="1"/>
+          </p:nvPr>
+        </p:nvPicPr>
+        <p:blipFill>
+          <a:blip r:embed="rId2"/>
+          <a:stretch>
+            <a:fillRect/>
+          </a:stretch>
+        </p:blipFill>
+        <p:spPr>
+          <a:xfrm>
+            <a:off x="285720" y="1428736"/>
+            <a:ext cx="8591304" cy="2214578"/>
+          </a:xfrm>
+        </p:spPr>
+      </p:pic>
+      <p:sp>
+        <p:nvSpPr>
+          <p:cNvPr id="3" name="Título 2"/>
+          <p:cNvSpPr>
+            <a:spLocks noGrp="1"/>
+          </p:cNvSpPr>
+          <p:nvPr>
+            <p:ph type="title"/>
+          </p:nvPr>
+        </p:nvSpPr>
+        <p:spPr/>
+        <p:txBody>
+          <a:bodyPr/>
+          <a:lstStyle/>
+          <a:p>
+            <a:r>
+              <a:rPr lang="pt-BR" dirty="0" smtClean="0"/>
+              <a:t>Classe Item - Subclasses</a:t>
+            </a:r>
+            <a:endParaRPr lang="pt-BR" dirty="0"/>
+          </a:p>
+        </p:txBody>
+      </p:sp>
+      <p:pic>
+        <p:nvPicPr>
+          <p:cNvPr id="5" name="Imagem 4" descr="04-1-1.PNG"/>
+          <p:cNvPicPr>
+            <a:picLocks noChangeAspect="1"/>
+          </p:cNvPicPr>
+          <p:nvPr/>
+        </p:nvPicPr>
+        <p:blipFill>
+          <a:blip r:embed="rId3"/>
+          <a:stretch>
+            <a:fillRect/>
+          </a:stretch>
+        </p:blipFill>
+        <p:spPr>
+          <a:xfrm>
+            <a:off x="357158" y="4143380"/>
+            <a:ext cx="7913134" cy="1714512"/>
+          </a:xfrm>
+          <a:prstGeom prst="rect">
+            <a:avLst/>
+          </a:prstGeom>
+        </p:spPr>
+      </p:pic>
+      <p:sp>
+        <p:nvSpPr>
+          <p:cNvPr id="6" name="CaixaDeTexto 5"/>
+          <p:cNvSpPr txBox="1"/>
+          <p:nvPr/>
+        </p:nvSpPr>
+        <p:spPr>
+          <a:xfrm>
+            <a:off x="1643042" y="3857628"/>
+            <a:ext cx="1739579" cy="461665"/>
+          </a:xfrm>
+          <a:prstGeom prst="rect">
+            <a:avLst/>
+          </a:prstGeom>
+          <a:noFill/>
+        </p:spPr>
+        <p:txBody>
+          <a:bodyPr wrap="none" rtlCol="0">
+            <a:spAutoFit/>
+          </a:bodyPr>
+          <a:lstStyle/>
+          <a:p>
+            <a:r>
+              <a:rPr lang="pt-BR" sz="1200" b="1" dirty="0" smtClean="0"/>
+              <a:t>Classe</a:t>
+            </a:r>
+            <a:r>
+              <a:rPr lang="pt-BR" sz="1200" dirty="0" smtClean="0"/>
+              <a:t>: Equipamento</a:t>
+            </a:r>
+          </a:p>
+          <a:p>
+            <a:endParaRPr lang="pt-BR" sz="1200" dirty="0"/>
+          </a:p>
+        </p:txBody>
+      </p:sp>
+      <p:sp>
+        <p:nvSpPr>
+          <p:cNvPr id="7" name="CaixaDeTexto 6"/>
+          <p:cNvSpPr txBox="1"/>
+          <p:nvPr/>
+        </p:nvSpPr>
+        <p:spPr>
+          <a:xfrm>
+            <a:off x="5786446" y="6072206"/>
+            <a:ext cx="1135247" cy="276999"/>
+          </a:xfrm>
+          <a:prstGeom prst="rect">
+            <a:avLst/>
+          </a:prstGeom>
+          <a:noFill/>
+        </p:spPr>
+        <p:txBody>
+          <a:bodyPr wrap="none" rtlCol="0">
+            <a:spAutoFit/>
+          </a:bodyPr>
+          <a:lstStyle/>
+          <a:p>
+            <a:r>
+              <a:rPr lang="pt-BR" sz="1200" b="1" dirty="0" smtClean="0"/>
+              <a:t>Classe</a:t>
+            </a:r>
+            <a:r>
+              <a:rPr lang="pt-BR" sz="1200" dirty="0" smtClean="0"/>
+              <a:t>: arma</a:t>
+            </a:r>
+            <a:endParaRPr lang="pt-BR" sz="1200" dirty="0"/>
+          </a:p>
+        </p:txBody>
+      </p:sp>
+    </p:spTree>
+  </p:cSld>
+  <p:clrMapOvr>
+    <a:masterClrMapping/>
+  </p:clrMapOvr>
+</p:sld>
+</file>
+
+<file path=ppt/slides/slide16.xml><?xml version="1.0" encoding="utf-8"?>
+<p:sld xmlns:a="http://schemas.openxmlformats.org/drawingml/2006/main" xmlns:r="http://schemas.openxmlformats.org/officeDocument/2006/relationships" xmlns:p="http://schemas.openxmlformats.org/presentationml/2006/main">
+  <p:cSld>
+    <p:spTree>
+      <p:nvGrpSpPr>
+        <p:cNvPr id="1" name=""/>
+        <p:cNvGrpSpPr/>
+        <p:nvPr/>
+      </p:nvGrpSpPr>
+      <p:grpSpPr>
+        <a:xfrm>
+          <a:off x="0" y="0"/>
+          <a:ext cx="0" cy="0"/>
+          <a:chOff x="0" y="0"/>
+          <a:chExt cx="0" cy="0"/>
+        </a:xfrm>
+      </p:grpSpPr>
+      <p:sp>
+        <p:nvSpPr>
+          <p:cNvPr id="3" name="Título 2"/>
+          <p:cNvSpPr>
+            <a:spLocks noGrp="1"/>
+          </p:cNvSpPr>
+          <p:nvPr>
+            <p:ph type="title"/>
+          </p:nvPr>
+        </p:nvSpPr>
+        <p:spPr/>
+        <p:txBody>
+          <a:bodyPr/>
+          <a:lstStyle/>
+          <a:p>
+            <a:r>
+              <a:rPr lang="pt-BR" dirty="0" smtClean="0"/>
+              <a:t>Classe Item - Subclasses</a:t>
+            </a:r>
+            <a:endParaRPr lang="pt-BR" dirty="0"/>
+          </a:p>
+        </p:txBody>
+      </p:sp>
+      <p:sp>
+        <p:nvSpPr>
+          <p:cNvPr id="6" name="CaixaDeTexto 5"/>
+          <p:cNvSpPr txBox="1"/>
+          <p:nvPr/>
+        </p:nvSpPr>
+        <p:spPr>
+          <a:xfrm>
+            <a:off x="3214678" y="3286124"/>
+            <a:ext cx="1561646" cy="461665"/>
+          </a:xfrm>
+          <a:prstGeom prst="rect">
+            <a:avLst/>
+          </a:prstGeom>
+          <a:noFill/>
+        </p:spPr>
+        <p:txBody>
+          <a:bodyPr wrap="none" rtlCol="0">
+            <a:spAutoFit/>
+          </a:bodyPr>
+          <a:lstStyle/>
+          <a:p>
+            <a:r>
+              <a:rPr lang="pt-BR" sz="1200" b="1" dirty="0" smtClean="0"/>
+              <a:t>Classe</a:t>
+            </a:r>
+            <a:r>
+              <a:rPr lang="pt-BR" sz="1200" dirty="0" smtClean="0"/>
+              <a:t>: Acessórios</a:t>
+            </a:r>
+          </a:p>
+          <a:p>
+            <a:endParaRPr lang="pt-BR" sz="1200" dirty="0"/>
+          </a:p>
+        </p:txBody>
+      </p:sp>
+      <p:pic>
+        <p:nvPicPr>
+          <p:cNvPr id="9" name="Espaço Reservado para Conteúdo 8" descr="04-02-03.PNG"/>
+          <p:cNvPicPr>
+            <a:picLocks noGrp="1" noChangeAspect="1"/>
+          </p:cNvPicPr>
+          <p:nvPr>
+            <p:ph idx="1"/>
+          </p:nvPr>
+        </p:nvPicPr>
+        <p:blipFill>
+          <a:blip r:embed="rId2"/>
+          <a:stretch>
+            <a:fillRect/>
+          </a:stretch>
+        </p:blipFill>
+        <p:spPr>
+          <a:xfrm>
+            <a:off x="214281" y="1500174"/>
+            <a:ext cx="8551133" cy="1357322"/>
+          </a:xfrm>
+        </p:spPr>
+      </p:pic>
+      <p:pic>
+        <p:nvPicPr>
+          <p:cNvPr id="12" name="Imagem 11" descr="04-01-03.PNG"/>
+          <p:cNvPicPr>
+            <a:picLocks noChangeAspect="1"/>
+          </p:cNvPicPr>
+          <p:nvPr/>
+        </p:nvPicPr>
+        <p:blipFill>
+          <a:blip r:embed="rId3"/>
+          <a:stretch>
+            <a:fillRect/>
+          </a:stretch>
+        </p:blipFill>
+        <p:spPr>
+          <a:xfrm>
+            <a:off x="310724" y="3493072"/>
+            <a:ext cx="8358246" cy="1285884"/>
+          </a:xfrm>
+          <a:prstGeom prst="rect">
+            <a:avLst/>
+          </a:prstGeom>
+        </p:spPr>
+      </p:pic>
+      <p:sp>
+        <p:nvSpPr>
+          <p:cNvPr id="2" name="CaixaDeTexto 1"/>
+          <p:cNvSpPr txBox="1"/>
+          <p:nvPr/>
+        </p:nvSpPr>
+        <p:spPr>
+          <a:xfrm>
+            <a:off x="3214678" y="2857496"/>
+            <a:ext cx="1729961" cy="276999"/>
+          </a:xfrm>
+          <a:prstGeom prst="rect">
+            <a:avLst/>
+          </a:prstGeom>
+          <a:noFill/>
+        </p:spPr>
+        <p:txBody>
+          <a:bodyPr wrap="none" rtlCol="0">
+            <a:spAutoFit/>
+          </a:bodyPr>
+          <a:lstStyle/>
+          <a:p>
+            <a:r>
+              <a:rPr lang="pt-BR" sz="1200" dirty="0" smtClean="0"/>
+              <a:t>Subclasse: </a:t>
+            </a:r>
+            <a:r>
+              <a:rPr lang="pt-BR" sz="1200" dirty="0" err="1" smtClean="0"/>
+              <a:t>Acessorio</a:t>
+            </a:r>
+            <a:endParaRPr lang="pt-BR" sz="1200" dirty="0"/>
+          </a:p>
+        </p:txBody>
+      </p:sp>
+      <p:sp>
+        <p:nvSpPr>
+          <p:cNvPr id="7" name="CaixaDeTexto 6"/>
+          <p:cNvSpPr txBox="1"/>
+          <p:nvPr/>
+        </p:nvSpPr>
+        <p:spPr>
+          <a:xfrm>
+            <a:off x="3255229" y="4778956"/>
+            <a:ext cx="1744388" cy="276999"/>
+          </a:xfrm>
+          <a:prstGeom prst="rect">
+            <a:avLst/>
+          </a:prstGeom>
+          <a:noFill/>
+        </p:spPr>
+        <p:txBody>
+          <a:bodyPr wrap="none" rtlCol="0">
+            <a:spAutoFit/>
+          </a:bodyPr>
+          <a:lstStyle/>
+          <a:p>
+            <a:r>
+              <a:rPr lang="pt-BR" sz="1200" dirty="0" smtClean="0"/>
+              <a:t>Subclasse: Armadura</a:t>
+            </a:r>
+            <a:endParaRPr lang="pt-BR" sz="1200" dirty="0"/>
+          </a:p>
+        </p:txBody>
+      </p:sp>
+    </p:spTree>
+  </p:cSld>
+  <p:clrMapOvr>
+    <a:masterClrMapping/>
+  </p:clrMapOvr>
+</p:sld>
+</file>
+
+<file path=ppt/slides/slide17.xml><?xml version="1.0" encoding="utf-8"?>
+<p:sld xmlns:a="http://schemas.openxmlformats.org/drawingml/2006/main" xmlns:r="http://schemas.openxmlformats.org/officeDocument/2006/relationships" xmlns:p="http://schemas.openxmlformats.org/presentationml/2006/main">
+  <p:cSld>
+    <p:spTree>
+      <p:nvGrpSpPr>
+        <p:cNvPr id="1" name=""/>
+        <p:cNvGrpSpPr/>
+        <p:nvPr/>
+      </p:nvGrpSpPr>
+      <p:grpSpPr>
+        <a:xfrm>
+          <a:off x="0" y="0"/>
+          <a:ext cx="0" cy="0"/>
+          <a:chOff x="0" y="0"/>
+          <a:chExt cx="0" cy="0"/>
+        </a:xfrm>
+      </p:grpSpPr>
+      <p:sp>
+        <p:nvSpPr>
+          <p:cNvPr id="2" name="Espaço Reservado para Conteúdo 1"/>
+          <p:cNvSpPr>
+            <a:spLocks noGrp="1"/>
+          </p:cNvSpPr>
+          <p:nvPr>
+            <p:ph idx="1"/>
+          </p:nvPr>
+        </p:nvSpPr>
+        <p:spPr/>
+        <p:txBody>
+          <a:bodyPr/>
+          <a:lstStyle/>
+          <a:p>
+            <a:r>
+              <a:rPr lang="pt-BR" dirty="0" smtClean="0"/>
+              <a:t>Classes até agora construídas:</a:t>
+            </a:r>
+          </a:p>
+          <a:p>
+            <a:r>
+              <a:rPr lang="pt-BR" dirty="0"/>
+              <a:t>- </a:t>
+            </a:r>
+            <a:r>
+              <a:rPr lang="pt-BR" dirty="0" smtClean="0"/>
+              <a:t>Atributos</a:t>
+            </a:r>
+          </a:p>
+          <a:p>
+            <a:r>
+              <a:rPr lang="pt-BR" dirty="0" smtClean="0"/>
+              <a:t>- Herói</a:t>
+            </a:r>
+          </a:p>
+          <a:p>
+            <a:r>
+              <a:rPr lang="pt-BR" dirty="0" smtClean="0"/>
+              <a:t>- Item</a:t>
+            </a:r>
+          </a:p>
+          <a:p>
+            <a:r>
+              <a:rPr lang="pt-BR" dirty="0" smtClean="0"/>
+              <a:t>-</a:t>
+            </a:r>
+            <a:r>
+              <a:rPr lang="pt-BR" dirty="0" smtClean="0">
+                <a:solidFill>
+                  <a:srgbClr val="FF0000"/>
+                </a:solidFill>
+              </a:rPr>
+              <a:t> Monstro</a:t>
+            </a:r>
+          </a:p>
+          <a:p>
+            <a:r>
+              <a:rPr lang="pt-BR" dirty="0" smtClean="0"/>
+              <a:t>- Magia</a:t>
+            </a:r>
+          </a:p>
+          <a:p>
+            <a:r>
+              <a:rPr lang="pt-BR" dirty="0" smtClean="0"/>
+              <a:t>- Elemento</a:t>
+            </a:r>
+          </a:p>
+          <a:p>
+            <a:endParaRPr lang="pt-BR" dirty="0"/>
+          </a:p>
+        </p:txBody>
+      </p:sp>
+      <p:sp>
+        <p:nvSpPr>
+          <p:cNvPr id="3" name="Título 2"/>
+          <p:cNvSpPr>
+            <a:spLocks noGrp="1"/>
+          </p:cNvSpPr>
+          <p:nvPr>
+            <p:ph type="title"/>
+          </p:nvPr>
+        </p:nvSpPr>
+        <p:spPr/>
+        <p:txBody>
+          <a:bodyPr>
+            <a:normAutofit/>
+          </a:bodyPr>
+          <a:lstStyle/>
+          <a:p>
+            <a:r>
+              <a:rPr lang="pt-BR" dirty="0" smtClean="0"/>
+              <a:t>Projeto</a:t>
+            </a:r>
+            <a:endParaRPr lang="pt-BR" dirty="0"/>
+          </a:p>
+        </p:txBody>
+      </p:sp>
+    </p:spTree>
+    <p:extLst>
+      <p:ext uri="{BB962C8B-B14F-4D97-AF65-F5344CB8AC3E}">
+        <p14:creationId xmlns:p14="http://schemas.microsoft.com/office/powerpoint/2010/main" val="3078248800"/>
+      </p:ext>
+    </p:extLst>
+  </p:cSld>
+  <p:clrMapOvr>
+    <a:masterClrMapping/>
+  </p:clrMapOvr>
+  <p:timing>
+    <p:tnLst>
+      <p:par>
+        <p:cTn id="1" dur="indefinite" restart="never" nodeType="tmRoot"/>
+      </p:par>
+    </p:tnLst>
+  </p:timing>
+</p:sld>
+</file>
+
+<file path=ppt/slides/slide18.xml><?xml version="1.0" encoding="utf-8"?>
+<p:sld xmlns:a="http://schemas.openxmlformats.org/drawingml/2006/main" xmlns:r="http://schemas.openxmlformats.org/officeDocument/2006/relationships" xmlns:p="http://schemas.openxmlformats.org/presentationml/2006/main">
+  <p:cSld>
+    <p:spTree>
+      <p:nvGrpSpPr>
+        <p:cNvPr id="1" name=""/>
+        <p:cNvGrpSpPr/>
+        <p:nvPr/>
+      </p:nvGrpSpPr>
+      <p:grpSpPr>
+        <a:xfrm>
+          <a:off x="0" y="0"/>
+          <a:ext cx="0" cy="0"/>
+          <a:chOff x="0" y="0"/>
+          <a:chExt cx="0" cy="0"/>
+        </a:xfrm>
+      </p:grpSpPr>
+      <p:sp>
+        <p:nvSpPr>
+          <p:cNvPr id="3" name="Título 2"/>
+          <p:cNvSpPr>
+            <a:spLocks noGrp="1"/>
+          </p:cNvSpPr>
+          <p:nvPr>
+            <p:ph type="title"/>
+          </p:nvPr>
+        </p:nvSpPr>
+        <p:spPr/>
+        <p:txBody>
+          <a:bodyPr/>
+          <a:lstStyle/>
+          <a:p>
+            <a:r>
+              <a:rPr lang="pt-BR" dirty="0" smtClean="0"/>
+              <a:t>Classe Monstro</a:t>
+            </a:r>
+            <a:endParaRPr lang="pt-BR" dirty="0"/>
+          </a:p>
+        </p:txBody>
+      </p:sp>
+      <p:pic>
+        <p:nvPicPr>
+          <p:cNvPr id="10" name="Espaço Reservado para Conteúdo 9" descr="05.PNG"/>
+          <p:cNvPicPr>
+            <a:picLocks noGrp="1" noChangeAspect="1"/>
+          </p:cNvPicPr>
+          <p:nvPr>
+            <p:ph idx="1"/>
+          </p:nvPr>
+        </p:nvPicPr>
+        <p:blipFill>
+          <a:blip r:embed="rId2"/>
+          <a:stretch>
+            <a:fillRect/>
+          </a:stretch>
+        </p:blipFill>
+        <p:spPr>
+          <a:xfrm>
+            <a:off x="214282" y="1285860"/>
+            <a:ext cx="8501122" cy="2500330"/>
+          </a:xfrm>
+        </p:spPr>
+      </p:pic>
+      <p:sp>
+        <p:nvSpPr>
+          <p:cNvPr id="11" name="CaixaDeTexto 10"/>
+          <p:cNvSpPr txBox="1"/>
+          <p:nvPr/>
+        </p:nvSpPr>
+        <p:spPr>
+          <a:xfrm>
+            <a:off x="1500166" y="4000504"/>
+            <a:ext cx="7242688" cy="1754326"/>
+          </a:xfrm>
+          <a:prstGeom prst="rect">
+            <a:avLst/>
+          </a:prstGeom>
+          <a:noFill/>
+        </p:spPr>
+        <p:txBody>
+          <a:bodyPr wrap="none" rtlCol="0">
+            <a:spAutoFit/>
+          </a:bodyPr>
+          <a:lstStyle/>
+          <a:p>
+            <a:r>
+              <a:rPr lang="pt-BR" sz="1200" b="1" dirty="0" smtClean="0"/>
+              <a:t>Classe</a:t>
+            </a:r>
+            <a:r>
+              <a:rPr lang="pt-BR" sz="1200" dirty="0" smtClean="0"/>
+              <a:t>: Monstro</a:t>
+            </a:r>
+          </a:p>
+          <a:p>
+            <a:endParaRPr lang="pt-BR" sz="1200" dirty="0"/>
+          </a:p>
+          <a:p>
+            <a:r>
+              <a:rPr lang="pt-BR" sz="1200" b="1" dirty="0" smtClean="0"/>
+              <a:t>Descrição</a:t>
+            </a:r>
+            <a:r>
+              <a:rPr lang="pt-BR" sz="1200" dirty="0" smtClean="0"/>
+              <a:t>: Todo </a:t>
+            </a:r>
+            <a:r>
+              <a:rPr lang="pt-BR" sz="1200" dirty="0" err="1" smtClean="0"/>
+              <a:t>Rpg</a:t>
+            </a:r>
+            <a:r>
+              <a:rPr lang="pt-BR" sz="1200" dirty="0" smtClean="0"/>
+              <a:t> deve ter um desafio, e normalmente este são os monstros presentes em </a:t>
+            </a:r>
+          </a:p>
+          <a:p>
+            <a:r>
+              <a:rPr lang="pt-BR" sz="1200" dirty="0" smtClean="0"/>
+              <a:t>batalhas aleatórias. Herdando os atributos da classe “Atributos” o básico que classe, a classe é</a:t>
+            </a:r>
+          </a:p>
+          <a:p>
+            <a:r>
+              <a:rPr lang="pt-BR" sz="1200" dirty="0" smtClean="0"/>
+              <a:t>responsável por guardar elementos comuns a monstros.</a:t>
+            </a:r>
+          </a:p>
+          <a:p>
+            <a:endParaRPr lang="pt-BR" sz="1200" dirty="0"/>
+          </a:p>
+          <a:p>
+            <a:r>
+              <a:rPr lang="pt-BR" sz="1200" b="1" dirty="0" smtClean="0"/>
+              <a:t>Herda de </a:t>
+            </a:r>
+            <a:r>
+              <a:rPr lang="pt-BR" sz="1200" dirty="0" smtClean="0"/>
+              <a:t>: Atributos</a:t>
+            </a:r>
+          </a:p>
+          <a:p>
+            <a:endParaRPr lang="pt-BR" sz="1200" dirty="0" smtClean="0"/>
+          </a:p>
+          <a:p>
+            <a:r>
+              <a:rPr lang="pt-BR" sz="1200" b="1" dirty="0" smtClean="0"/>
+              <a:t>É Herdada por</a:t>
+            </a:r>
+            <a:r>
+              <a:rPr lang="pt-BR" sz="1200" dirty="0" smtClean="0"/>
+              <a:t>: Ninguém</a:t>
+            </a:r>
+          </a:p>
+        </p:txBody>
+      </p:sp>
+    </p:spTree>
+  </p:cSld>
+  <p:clrMapOvr>
+    <a:masterClrMapping/>
+  </p:clrMapOvr>
+  <p:timing>
+    <p:tnLst>
+      <p:par>
+        <p:cTn id="1" dur="indefinite" restart="never" nodeType="tmRoot"/>
+      </p:par>
+    </p:tnLst>
+  </p:timing>
+</p:sld>
+</file>
+
+<file path=ppt/slides/slide19.xml><?xml version="1.0" encoding="utf-8"?>
+<p:sld xmlns:a="http://schemas.openxmlformats.org/drawingml/2006/main" xmlns:r="http://schemas.openxmlformats.org/officeDocument/2006/relationships" xmlns:p="http://schemas.openxmlformats.org/presentationml/2006/main">
+  <p:cSld>
+    <p:spTree>
+      <p:nvGrpSpPr>
+        <p:cNvPr id="1" name=""/>
+        <p:cNvGrpSpPr/>
+        <p:nvPr/>
+      </p:nvGrpSpPr>
+      <p:grpSpPr>
+        <a:xfrm>
+          <a:off x="0" y="0"/>
+          <a:ext cx="0" cy="0"/>
+          <a:chOff x="0" y="0"/>
+          <a:chExt cx="0" cy="0"/>
+        </a:xfrm>
+      </p:grpSpPr>
+      <p:sp>
+        <p:nvSpPr>
+          <p:cNvPr id="2" name="Espaço Reservado para Conteúdo 1"/>
+          <p:cNvSpPr>
+            <a:spLocks noGrp="1"/>
+          </p:cNvSpPr>
+          <p:nvPr>
+            <p:ph idx="1"/>
+          </p:nvPr>
+        </p:nvSpPr>
+        <p:spPr/>
+        <p:txBody>
+          <a:bodyPr/>
+          <a:lstStyle/>
+          <a:p>
+            <a:r>
+              <a:rPr lang="pt-BR" dirty="0" smtClean="0"/>
+              <a:t>Classes até agora construídas:</a:t>
+            </a:r>
+          </a:p>
+          <a:p>
+            <a:r>
+              <a:rPr lang="pt-BR" dirty="0"/>
+              <a:t>- </a:t>
+            </a:r>
+            <a:r>
+              <a:rPr lang="pt-BR" dirty="0" smtClean="0"/>
+              <a:t>Atributos</a:t>
+            </a:r>
+          </a:p>
+          <a:p>
+            <a:r>
+              <a:rPr lang="pt-BR" dirty="0" smtClean="0"/>
+              <a:t>- Herói</a:t>
+            </a:r>
+          </a:p>
+          <a:p>
+            <a:r>
+              <a:rPr lang="pt-BR" dirty="0" smtClean="0"/>
+              <a:t>- Item</a:t>
+            </a:r>
+          </a:p>
+          <a:p>
+            <a:r>
+              <a:rPr lang="pt-BR" dirty="0" smtClean="0"/>
+              <a:t>- Monstro</a:t>
+            </a:r>
+          </a:p>
+          <a:p>
+            <a:r>
+              <a:rPr lang="pt-BR" dirty="0" smtClean="0"/>
+              <a:t>- </a:t>
+            </a:r>
+            <a:r>
+              <a:rPr lang="pt-BR" dirty="0" smtClean="0">
+                <a:solidFill>
+                  <a:srgbClr val="FF0000"/>
+                </a:solidFill>
+              </a:rPr>
+              <a:t>Magia</a:t>
+            </a:r>
+          </a:p>
+          <a:p>
+            <a:r>
+              <a:rPr lang="pt-BR" dirty="0" smtClean="0"/>
+              <a:t>- Elemento</a:t>
+            </a:r>
+            <a:endParaRPr lang="pt-BR" dirty="0"/>
+          </a:p>
+        </p:txBody>
+      </p:sp>
+      <p:sp>
+        <p:nvSpPr>
+          <p:cNvPr id="3" name="Título 2"/>
+          <p:cNvSpPr>
+            <a:spLocks noGrp="1"/>
+          </p:cNvSpPr>
+          <p:nvPr>
+            <p:ph type="title"/>
+          </p:nvPr>
+        </p:nvSpPr>
+        <p:spPr/>
+        <p:txBody>
+          <a:bodyPr>
+            <a:normAutofit/>
+          </a:bodyPr>
+          <a:lstStyle/>
+          <a:p>
+            <a:r>
+              <a:rPr lang="pt-BR" dirty="0" smtClean="0"/>
+              <a:t>Projeto</a:t>
+            </a:r>
+            <a:endParaRPr lang="pt-BR" dirty="0"/>
+          </a:p>
+        </p:txBody>
+      </p:sp>
+    </p:spTree>
+    <p:extLst>
+      <p:ext uri="{BB962C8B-B14F-4D97-AF65-F5344CB8AC3E}">
+        <p14:creationId xmlns:p14="http://schemas.microsoft.com/office/powerpoint/2010/main" val="3078248800"/>
+      </p:ext>
+    </p:extLst>
+  </p:cSld>
+  <p:clrMapOvr>
+    <a:masterClrMapping/>
+  </p:clrMapOvr>
+  <p:timing>
+    <p:tnLst>
+      <p:par>
+        <p:cTn id="1" dur="indefinite" restart="never" nodeType="tmRoot"/>
+      </p:par>
+    </p:tnLst>
+  </p:timing>
 </p:sld>
 </file>
 
@@ -5232,6 +6616,15 @@
               <a:t> possuem muitas similaridades com jogos de estratégia, além de uma certa presença de elementos de teatro. </a:t>
             </a:r>
           </a:p>
+          <a:p>
+            <a:endParaRPr lang="pt-BR" sz="2000" dirty="0" smtClean="0"/>
+          </a:p>
+          <a:p>
+            <a:r>
+              <a:rPr lang="pt-BR" sz="2000" dirty="0" smtClean="0"/>
+              <a:t>O gênero ficou mais conhecido nos videogames devido a visibilidade maior que os consoles possuem.</a:t>
+            </a:r>
+          </a:p>
         </p:txBody>
       </p:sp>
       <p:sp>
@@ -5252,6 +6645,585 @@
             <a:r>
               <a:rPr lang="pt-BR" dirty="0" smtClean="0"/>
               <a:t>O que é um RPG?</a:t>
+            </a:r>
+            <a:endParaRPr lang="pt-BR" dirty="0"/>
+          </a:p>
+        </p:txBody>
+      </p:sp>
+    </p:spTree>
+  </p:cSld>
+  <p:clrMapOvr>
+    <a:masterClrMapping/>
+  </p:clrMapOvr>
+  <p:timing>
+    <p:tnLst>
+      <p:par>
+        <p:cTn id="1" dur="indefinite" restart="never" nodeType="tmRoot"/>
+      </p:par>
+    </p:tnLst>
+  </p:timing>
+</p:sld>
+</file>
+
+<file path=ppt/slides/slide20.xml><?xml version="1.0" encoding="utf-8"?>
+<p:sld xmlns:a="http://schemas.openxmlformats.org/drawingml/2006/main" xmlns:r="http://schemas.openxmlformats.org/officeDocument/2006/relationships" xmlns:p="http://schemas.openxmlformats.org/presentationml/2006/main">
+  <p:cSld>
+    <p:spTree>
+      <p:nvGrpSpPr>
+        <p:cNvPr id="1" name=""/>
+        <p:cNvGrpSpPr/>
+        <p:nvPr/>
+      </p:nvGrpSpPr>
+      <p:grpSpPr>
+        <a:xfrm>
+          <a:off x="0" y="0"/>
+          <a:ext cx="0" cy="0"/>
+          <a:chOff x="0" y="0"/>
+          <a:chExt cx="0" cy="0"/>
+        </a:xfrm>
+      </p:grpSpPr>
+      <p:sp>
+        <p:nvSpPr>
+          <p:cNvPr id="3" name="Título 2"/>
+          <p:cNvSpPr>
+            <a:spLocks noGrp="1"/>
+          </p:cNvSpPr>
+          <p:nvPr>
+            <p:ph type="title"/>
+          </p:nvPr>
+        </p:nvSpPr>
+        <p:spPr/>
+        <p:txBody>
+          <a:bodyPr/>
+          <a:lstStyle/>
+          <a:p>
+            <a:r>
+              <a:rPr lang="pt-BR" dirty="0" smtClean="0"/>
+              <a:t>Classe Monstro</a:t>
+            </a:r>
+            <a:endParaRPr lang="pt-BR" dirty="0"/>
+          </a:p>
+        </p:txBody>
+      </p:sp>
+      <p:sp>
+        <p:nvSpPr>
+          <p:cNvPr id="11" name="CaixaDeTexto 10"/>
+          <p:cNvSpPr txBox="1"/>
+          <p:nvPr/>
+        </p:nvSpPr>
+        <p:spPr>
+          <a:xfrm>
+            <a:off x="1428728" y="4214818"/>
+            <a:ext cx="7470315" cy="1938992"/>
+          </a:xfrm>
+          <a:prstGeom prst="rect">
+            <a:avLst/>
+          </a:prstGeom>
+          <a:noFill/>
+        </p:spPr>
+        <p:txBody>
+          <a:bodyPr wrap="none" rtlCol="0">
+            <a:spAutoFit/>
+          </a:bodyPr>
+          <a:lstStyle/>
+          <a:p>
+            <a:pPr algn="just"/>
+            <a:r>
+              <a:rPr lang="pt-BR" sz="1200" b="1" dirty="0" smtClean="0"/>
+              <a:t>Classe</a:t>
+            </a:r>
+            <a:r>
+              <a:rPr lang="pt-BR" sz="1200" dirty="0" smtClean="0"/>
+              <a:t>: Magia</a:t>
+            </a:r>
+          </a:p>
+          <a:p>
+            <a:pPr algn="just"/>
+            <a:endParaRPr lang="pt-BR" sz="1200" dirty="0"/>
+          </a:p>
+          <a:p>
+            <a:pPr algn="just"/>
+            <a:r>
+              <a:rPr lang="pt-BR" sz="1200" b="1" dirty="0" smtClean="0"/>
+              <a:t>Descrição</a:t>
+            </a:r>
+            <a:r>
+              <a:rPr lang="pt-BR" sz="1200" dirty="0" smtClean="0"/>
+              <a:t>: Assim como as outras classes anteriormente apresentadas, Magia é o principal fator</a:t>
+            </a:r>
+          </a:p>
+          <a:p>
+            <a:pPr algn="just"/>
+            <a:r>
+              <a:rPr lang="pt-BR" sz="1200" dirty="0" smtClean="0"/>
+              <a:t>para a diferenciação das classes, além dos atributos. Muitas subclasses podem surgir desta, com </a:t>
+            </a:r>
+          </a:p>
+          <a:p>
+            <a:pPr algn="just"/>
+            <a:r>
+              <a:rPr lang="pt-BR" sz="1200" dirty="0" smtClean="0"/>
+              <a:t>Cada uma representando um conjunto de técnicas específicas para uma especialização além das</a:t>
+            </a:r>
+          </a:p>
+          <a:p>
+            <a:pPr algn="just"/>
+            <a:r>
+              <a:rPr lang="pt-BR" sz="1200" dirty="0" smtClean="0"/>
+              <a:t>magias em si.</a:t>
+            </a:r>
+          </a:p>
+          <a:p>
+            <a:pPr algn="just"/>
+            <a:endParaRPr lang="pt-BR" sz="1200" b="1" dirty="0"/>
+          </a:p>
+          <a:p>
+            <a:pPr algn="just"/>
+            <a:r>
+              <a:rPr lang="pt-BR" sz="1200" b="1" dirty="0" smtClean="0"/>
+              <a:t>Herda de </a:t>
+            </a:r>
+            <a:r>
+              <a:rPr lang="pt-BR" sz="1200" dirty="0" smtClean="0"/>
+              <a:t>: Ninguém</a:t>
+            </a:r>
+          </a:p>
+          <a:p>
+            <a:pPr algn="just"/>
+            <a:endParaRPr lang="pt-BR" sz="1200" dirty="0" smtClean="0"/>
+          </a:p>
+          <a:p>
+            <a:pPr algn="just"/>
+            <a:r>
+              <a:rPr lang="pt-BR" sz="1200" b="1" dirty="0" smtClean="0"/>
+              <a:t>É Herdada por</a:t>
+            </a:r>
+            <a:r>
+              <a:rPr lang="pt-BR" sz="1200" dirty="0" smtClean="0"/>
+              <a:t>: Ninguém</a:t>
+            </a:r>
+          </a:p>
+        </p:txBody>
+      </p:sp>
+      <p:pic>
+        <p:nvPicPr>
+          <p:cNvPr id="8" name="Espaço Reservado para Conteúdo 7" descr="03.PNG"/>
+          <p:cNvPicPr>
+            <a:picLocks noGrp="1" noChangeAspect="1"/>
+          </p:cNvPicPr>
+          <p:nvPr>
+            <p:ph idx="1"/>
+          </p:nvPr>
+        </p:nvPicPr>
+        <p:blipFill>
+          <a:blip r:embed="rId2"/>
+          <a:stretch>
+            <a:fillRect/>
+          </a:stretch>
+        </p:blipFill>
+        <p:spPr>
+          <a:xfrm>
+            <a:off x="357158" y="1714488"/>
+            <a:ext cx="8566921" cy="2214578"/>
+          </a:xfrm>
+        </p:spPr>
+      </p:pic>
+    </p:spTree>
+  </p:cSld>
+  <p:clrMapOvr>
+    <a:masterClrMapping/>
+  </p:clrMapOvr>
+  <p:timing>
+    <p:tnLst>
+      <p:par>
+        <p:cTn id="1" dur="indefinite" restart="never" nodeType="tmRoot"/>
+      </p:par>
+    </p:tnLst>
+  </p:timing>
+</p:sld>
+</file>
+
+<file path=ppt/slides/slide21.xml><?xml version="1.0" encoding="utf-8"?>
+<p:sld xmlns:a="http://schemas.openxmlformats.org/drawingml/2006/main" xmlns:r="http://schemas.openxmlformats.org/officeDocument/2006/relationships" xmlns:p="http://schemas.openxmlformats.org/presentationml/2006/main">
+  <p:cSld>
+    <p:spTree>
+      <p:nvGrpSpPr>
+        <p:cNvPr id="1" name=""/>
+        <p:cNvGrpSpPr/>
+        <p:nvPr/>
+      </p:nvGrpSpPr>
+      <p:grpSpPr>
+        <a:xfrm>
+          <a:off x="0" y="0"/>
+          <a:ext cx="0" cy="0"/>
+          <a:chOff x="0" y="0"/>
+          <a:chExt cx="0" cy="0"/>
+        </a:xfrm>
+      </p:grpSpPr>
+      <p:sp>
+        <p:nvSpPr>
+          <p:cNvPr id="2" name="Espaço Reservado para Conteúdo 1"/>
+          <p:cNvSpPr>
+            <a:spLocks noGrp="1"/>
+          </p:cNvSpPr>
+          <p:nvPr>
+            <p:ph idx="1"/>
+          </p:nvPr>
+        </p:nvSpPr>
+        <p:spPr/>
+        <p:txBody>
+          <a:bodyPr/>
+          <a:lstStyle/>
+          <a:p>
+            <a:r>
+              <a:rPr lang="pt-BR" dirty="0" smtClean="0"/>
+              <a:t>Classes até agora construídas:</a:t>
+            </a:r>
+          </a:p>
+          <a:p>
+            <a:r>
+              <a:rPr lang="pt-BR" dirty="0"/>
+              <a:t>- </a:t>
+            </a:r>
+            <a:r>
+              <a:rPr lang="pt-BR" dirty="0" smtClean="0"/>
+              <a:t>Atributos</a:t>
+            </a:r>
+          </a:p>
+          <a:p>
+            <a:r>
+              <a:rPr lang="pt-BR" dirty="0" smtClean="0"/>
+              <a:t>- Herói</a:t>
+            </a:r>
+          </a:p>
+          <a:p>
+            <a:r>
+              <a:rPr lang="pt-BR" dirty="0" smtClean="0"/>
+              <a:t>- Item</a:t>
+            </a:r>
+          </a:p>
+          <a:p>
+            <a:r>
+              <a:rPr lang="pt-BR" dirty="0" smtClean="0"/>
+              <a:t>- Monstro</a:t>
+            </a:r>
+          </a:p>
+          <a:p>
+            <a:r>
+              <a:rPr lang="pt-BR" dirty="0" smtClean="0"/>
+              <a:t>- Magia</a:t>
+            </a:r>
+          </a:p>
+          <a:p>
+            <a:r>
+              <a:rPr lang="pt-BR" dirty="0" smtClean="0">
+                <a:solidFill>
+                  <a:srgbClr val="FF0000"/>
+                </a:solidFill>
+              </a:rPr>
+              <a:t>- Elemento</a:t>
+            </a:r>
+            <a:endParaRPr lang="pt-BR" dirty="0">
+              <a:solidFill>
+                <a:srgbClr val="FF0000"/>
+              </a:solidFill>
+            </a:endParaRPr>
+          </a:p>
+        </p:txBody>
+      </p:sp>
+      <p:sp>
+        <p:nvSpPr>
+          <p:cNvPr id="3" name="Título 2"/>
+          <p:cNvSpPr>
+            <a:spLocks noGrp="1"/>
+          </p:cNvSpPr>
+          <p:nvPr>
+            <p:ph type="title"/>
+          </p:nvPr>
+        </p:nvSpPr>
+        <p:spPr/>
+        <p:txBody>
+          <a:bodyPr>
+            <a:normAutofit/>
+          </a:bodyPr>
+          <a:lstStyle/>
+          <a:p>
+            <a:r>
+              <a:rPr lang="pt-BR" dirty="0" smtClean="0"/>
+              <a:t>Projeto</a:t>
+            </a:r>
+            <a:endParaRPr lang="pt-BR" dirty="0"/>
+          </a:p>
+        </p:txBody>
+      </p:sp>
+    </p:spTree>
+    <p:extLst>
+      <p:ext uri="{BB962C8B-B14F-4D97-AF65-F5344CB8AC3E}">
+        <p14:creationId xmlns:p14="http://schemas.microsoft.com/office/powerpoint/2010/main" val="3078248800"/>
+      </p:ext>
+    </p:extLst>
+  </p:cSld>
+  <p:clrMapOvr>
+    <a:masterClrMapping/>
+  </p:clrMapOvr>
+  <p:timing>
+    <p:tnLst>
+      <p:par>
+        <p:cTn id="1" dur="indefinite" restart="never" nodeType="tmRoot"/>
+      </p:par>
+    </p:tnLst>
+  </p:timing>
+</p:sld>
+</file>
+
+<file path=ppt/slides/slide22.xml><?xml version="1.0" encoding="utf-8"?>
+<p:sld xmlns:a="http://schemas.openxmlformats.org/drawingml/2006/main" xmlns:r="http://schemas.openxmlformats.org/officeDocument/2006/relationships" xmlns:p="http://schemas.openxmlformats.org/presentationml/2006/main">
+  <p:cSld>
+    <p:spTree>
+      <p:nvGrpSpPr>
+        <p:cNvPr id="1" name=""/>
+        <p:cNvGrpSpPr/>
+        <p:nvPr/>
+      </p:nvGrpSpPr>
+      <p:grpSpPr>
+        <a:xfrm>
+          <a:off x="0" y="0"/>
+          <a:ext cx="0" cy="0"/>
+          <a:chOff x="0" y="0"/>
+          <a:chExt cx="0" cy="0"/>
+        </a:xfrm>
+      </p:grpSpPr>
+      <p:sp>
+        <p:nvSpPr>
+          <p:cNvPr id="3" name="Título 2"/>
+          <p:cNvSpPr>
+            <a:spLocks noGrp="1"/>
+          </p:cNvSpPr>
+          <p:nvPr>
+            <p:ph type="title"/>
+          </p:nvPr>
+        </p:nvSpPr>
+        <p:spPr/>
+        <p:txBody>
+          <a:bodyPr/>
+          <a:lstStyle/>
+          <a:p>
+            <a:r>
+              <a:rPr lang="pt-BR" dirty="0" smtClean="0"/>
+              <a:t>Classe Elemento</a:t>
+            </a:r>
+            <a:endParaRPr lang="pt-BR" dirty="0"/>
+          </a:p>
+        </p:txBody>
+      </p:sp>
+      <p:pic>
+        <p:nvPicPr>
+          <p:cNvPr id="6" name="Espaço Reservado para Conteúdo 5" descr="06.PNG"/>
+          <p:cNvPicPr>
+            <a:picLocks noGrp="1" noChangeAspect="1"/>
+          </p:cNvPicPr>
+          <p:nvPr>
+            <p:ph idx="1"/>
+          </p:nvPr>
+        </p:nvPicPr>
+        <p:blipFill>
+          <a:blip r:embed="rId2"/>
+          <a:stretch>
+            <a:fillRect/>
+          </a:stretch>
+        </p:blipFill>
+        <p:spPr>
+          <a:xfrm>
+            <a:off x="1928794" y="1500174"/>
+            <a:ext cx="5072098" cy="1903667"/>
+          </a:xfrm>
+        </p:spPr>
+      </p:pic>
+      <p:sp>
+        <p:nvSpPr>
+          <p:cNvPr id="7" name="CaixaDeTexto 6"/>
+          <p:cNvSpPr txBox="1"/>
+          <p:nvPr/>
+        </p:nvSpPr>
+        <p:spPr>
+          <a:xfrm>
+            <a:off x="816395" y="4214818"/>
+            <a:ext cx="8308685" cy="1754326"/>
+          </a:xfrm>
+          <a:prstGeom prst="rect">
+            <a:avLst/>
+          </a:prstGeom>
+          <a:noFill/>
+        </p:spPr>
+        <p:txBody>
+          <a:bodyPr wrap="none" rtlCol="0">
+            <a:spAutoFit/>
+          </a:bodyPr>
+          <a:lstStyle/>
+          <a:p>
+            <a:pPr algn="just"/>
+            <a:r>
+              <a:rPr lang="pt-BR" sz="1200" b="1" dirty="0" smtClean="0"/>
+              <a:t>Classe</a:t>
+            </a:r>
+            <a:r>
+              <a:rPr lang="pt-BR" sz="1200" dirty="0" smtClean="0"/>
+              <a:t>: Elemento</a:t>
+            </a:r>
+          </a:p>
+          <a:p>
+            <a:pPr algn="just"/>
+            <a:endParaRPr lang="pt-BR" sz="1200" dirty="0" smtClean="0"/>
+          </a:p>
+          <a:p>
+            <a:pPr algn="just"/>
+            <a:r>
+              <a:rPr lang="pt-BR" sz="1200" b="1" dirty="0" smtClean="0"/>
+              <a:t>Descrição</a:t>
+            </a:r>
+            <a:r>
+              <a:rPr lang="pt-BR" sz="1200" b="1" dirty="0" smtClean="0"/>
+              <a:t>: É muito comum em </a:t>
+            </a:r>
+            <a:r>
+              <a:rPr lang="pt-BR" sz="1200" b="1" dirty="0" err="1" smtClean="0"/>
+              <a:t>rpgs</a:t>
+            </a:r>
+            <a:r>
+              <a:rPr lang="pt-BR" sz="1200" b="1" dirty="0" smtClean="0"/>
+              <a:t> uma arma ou magia ser de algum tipo de elemento (</a:t>
+            </a:r>
+            <a:r>
+              <a:rPr lang="pt-BR" sz="1200" b="1" dirty="0" err="1" smtClean="0"/>
+              <a:t>Ex</a:t>
+            </a:r>
+            <a:r>
+              <a:rPr lang="pt-BR" sz="1200" b="1" dirty="0" smtClean="0"/>
+              <a:t>: Fogo, Água, </a:t>
+            </a:r>
+            <a:r>
+              <a:rPr lang="pt-BR" sz="1200" b="1" dirty="0" err="1" smtClean="0"/>
+              <a:t>etc</a:t>
+            </a:r>
+            <a:r>
+              <a:rPr lang="pt-BR" sz="1200" b="1" dirty="0" smtClean="0"/>
+              <a:t>)</a:t>
+            </a:r>
+          </a:p>
+          <a:p>
+            <a:pPr algn="just"/>
+            <a:r>
+              <a:rPr lang="pt-BR" sz="1200" b="1" dirty="0" smtClean="0"/>
+              <a:t>Esta classe teria os elementos em </a:t>
+            </a:r>
+            <a:r>
+              <a:rPr lang="pt-BR" sz="1200" b="1" smtClean="0"/>
+              <a:t>comum destes.</a:t>
+            </a:r>
+            <a:endParaRPr lang="pt-BR" sz="1200" b="1" dirty="0" smtClean="0"/>
+          </a:p>
+          <a:p>
+            <a:pPr algn="just"/>
+            <a:endParaRPr lang="pt-BR" sz="1200" dirty="0" smtClean="0"/>
+          </a:p>
+          <a:p>
+            <a:r>
+              <a:rPr lang="pt-BR" sz="1200" b="1" dirty="0" smtClean="0"/>
+              <a:t>Herda de </a:t>
+            </a:r>
+            <a:r>
+              <a:rPr lang="pt-BR" sz="1200" dirty="0" smtClean="0"/>
+              <a:t>: Ninguém</a:t>
+            </a:r>
+            <a:endParaRPr lang="pt-BR" sz="1200" dirty="0" smtClean="0"/>
+          </a:p>
+          <a:p>
+            <a:endParaRPr lang="pt-BR" sz="1200" dirty="0" smtClean="0"/>
+          </a:p>
+          <a:p>
+            <a:r>
+              <a:rPr lang="pt-BR" sz="1200" b="1" dirty="0" smtClean="0"/>
+              <a:t>É Herdada por</a:t>
+            </a:r>
+            <a:r>
+              <a:rPr lang="pt-BR" sz="1200" dirty="0" smtClean="0"/>
+              <a:t>: Ninguém</a:t>
+            </a:r>
+          </a:p>
+          <a:p>
+            <a:pPr algn="just"/>
+            <a:endParaRPr lang="pt-BR" sz="1200" dirty="0" smtClean="0"/>
+          </a:p>
+        </p:txBody>
+      </p:sp>
+    </p:spTree>
+  </p:cSld>
+  <p:clrMapOvr>
+    <a:masterClrMapping/>
+  </p:clrMapOvr>
+</p:sld>
+</file>
+
+<file path=ppt/slides/slide23.xml><?xml version="1.0" encoding="utf-8"?>
+<p:sld xmlns:a="http://schemas.openxmlformats.org/drawingml/2006/main" xmlns:r="http://schemas.openxmlformats.org/officeDocument/2006/relationships" xmlns:p="http://schemas.openxmlformats.org/presentationml/2006/main">
+  <p:cSld>
+    <p:spTree>
+      <p:nvGrpSpPr>
+        <p:cNvPr id="1" name=""/>
+        <p:cNvGrpSpPr/>
+        <p:nvPr/>
+      </p:nvGrpSpPr>
+      <p:grpSpPr>
+        <a:xfrm>
+          <a:off x="0" y="0"/>
+          <a:ext cx="0" cy="0"/>
+          <a:chOff x="0" y="0"/>
+          <a:chExt cx="0" cy="0"/>
+        </a:xfrm>
+      </p:grpSpPr>
+      <p:sp>
+        <p:nvSpPr>
+          <p:cNvPr id="2" name="Espaço Reservado para Conteúdo 1"/>
+          <p:cNvSpPr>
+            <a:spLocks noGrp="1"/>
+          </p:cNvSpPr>
+          <p:nvPr>
+            <p:ph idx="1"/>
+          </p:nvPr>
+        </p:nvSpPr>
+        <p:spPr/>
+        <p:txBody>
+          <a:bodyPr>
+            <a:normAutofit/>
+          </a:bodyPr>
+          <a:lstStyle/>
+          <a:p>
+            <a:r>
+              <a:rPr lang="pt-BR" sz="2400" dirty="0" smtClean="0"/>
+              <a:t>Devido a complexidade de se planejar um jogo, o projeto pode sofrer alterações, com classes, relações e atributos sendo adicionados ou excluídos caso haja a necessidade</a:t>
+            </a:r>
+            <a:endParaRPr lang="pt-BR" sz="2400" dirty="0"/>
+          </a:p>
+        </p:txBody>
+      </p:sp>
+      <p:sp>
+        <p:nvSpPr>
+          <p:cNvPr id="3" name="Título 2"/>
+          <p:cNvSpPr>
+            <a:spLocks noGrp="1"/>
+          </p:cNvSpPr>
+          <p:nvPr>
+            <p:ph type="title"/>
+          </p:nvPr>
+        </p:nvSpPr>
+        <p:spPr/>
+        <p:txBody>
+          <a:bodyPr/>
+          <a:lstStyle/>
+          <a:p>
+            <a:r>
+              <a:rPr lang="pt-BR" dirty="0" smtClean="0"/>
+              <a:t>Projeto</a:t>
             </a:r>
             <a:endParaRPr lang="pt-BR" dirty="0"/>
           </a:p>
@@ -5289,62 +7261,86 @@
           <a:chExt cx="0" cy="0"/>
         </a:xfrm>
       </p:grpSpPr>
+      <p:sp>
+        <p:nvSpPr>
+          <p:cNvPr id="2" name="Espaço Reservado para Conteúdo 1"/>
+          <p:cNvSpPr>
+            <a:spLocks noGrp="1"/>
+          </p:cNvSpPr>
+          <p:nvPr>
+            <p:ph idx="1"/>
+          </p:nvPr>
+        </p:nvSpPr>
+        <p:spPr/>
+        <p:txBody>
+          <a:bodyPr/>
+          <a:lstStyle/>
+          <a:p>
+            <a:r>
+              <a:rPr lang="pt-BR" dirty="0" smtClean="0"/>
+              <a:t>Exemplos de CRPG</a:t>
+            </a:r>
+            <a:endParaRPr lang="pt-BR" dirty="0"/>
+          </a:p>
+        </p:txBody>
+      </p:sp>
+      <p:sp>
+        <p:nvSpPr>
+          <p:cNvPr id="3" name="Título 2"/>
+          <p:cNvSpPr>
+            <a:spLocks noGrp="1"/>
+          </p:cNvSpPr>
+          <p:nvPr>
+            <p:ph type="title"/>
+          </p:nvPr>
+        </p:nvSpPr>
+        <p:spPr/>
+        <p:txBody>
+          <a:bodyPr/>
+          <a:lstStyle/>
+          <a:p>
+            <a:r>
+              <a:rPr lang="pt-BR" dirty="0" smtClean="0"/>
+              <a:t>O que é um RPG?</a:t>
+            </a:r>
+            <a:endParaRPr lang="pt-BR" dirty="0"/>
+          </a:p>
+        </p:txBody>
+      </p:sp>
       <p:pic>
         <p:nvPicPr>
-          <p:cNvPr id="5" name="Espaço Reservado para Conteúdo 4" descr="Dungeons_and_Dragons_game.jpg"/>
+          <p:cNvPr id="4" name="Imagem 3" descr="440441-xenogears-playstation-screenshot-battle-at-the-top-of-the.png"/>
           <p:cNvPicPr>
-            <a:picLocks noGrp="1" noChangeAspect="1"/>
+            <a:picLocks noChangeAspect="1"/>
           </p:cNvPicPr>
-          <p:nvPr>
-            <p:ph idx="1"/>
-          </p:nvPr>
+          <p:nvPr/>
         </p:nvPicPr>
         <p:blipFill>
-          <a:blip r:embed="rId2" cstate="print"/>
+          <a:blip r:embed="rId2"/>
           <a:stretch>
             <a:fillRect/>
           </a:stretch>
         </p:blipFill>
         <p:spPr>
           <a:xfrm>
-            <a:off x="214282" y="1500174"/>
-            <a:ext cx="3549656" cy="2662242"/>
+            <a:off x="0" y="2143116"/>
+            <a:ext cx="4286279" cy="3214710"/>
           </a:xfrm>
+          <a:prstGeom prst="rect">
+            <a:avLst/>
+          </a:prstGeom>
         </p:spPr>
       </p:pic>
       <p:sp>
         <p:nvSpPr>
-          <p:cNvPr id="4" name="Título 2"/>
-          <p:cNvSpPr>
-            <a:spLocks noGrp="1"/>
-          </p:cNvSpPr>
-          <p:nvPr>
-            <p:ph type="title"/>
-          </p:nvPr>
-        </p:nvSpPr>
-        <p:spPr/>
-        <p:txBody>
-          <a:bodyPr/>
-          <a:lstStyle/>
-          <a:p>
-            <a:r>
-              <a:rPr lang="pt-BR" dirty="0" smtClean="0"/>
-              <a:t>O que é um RPG?</a:t>
-            </a:r>
-            <a:endParaRPr lang="pt-BR" dirty="0"/>
-          </a:p>
-        </p:txBody>
-      </p:sp>
-      <p:sp>
-        <p:nvSpPr>
-          <p:cNvPr id="6" name="CaixaDeTexto 5"/>
+          <p:cNvPr id="5" name="CaixaDeTexto 4"/>
           <p:cNvSpPr txBox="1"/>
           <p:nvPr/>
         </p:nvSpPr>
         <p:spPr>
           <a:xfrm>
-            <a:off x="0" y="4286256"/>
-            <a:ext cx="3918060" cy="492443"/>
+            <a:off x="1785918" y="5643578"/>
+            <a:ext cx="1095172" cy="307777"/>
           </a:xfrm>
           <a:prstGeom prst="rect">
             <a:avLst/>
@@ -5358,61 +7354,16 @@
           <a:lstStyle/>
           <a:p>
             <a:r>
-              <a:rPr lang="pt-BR" sz="1400" b="1" i="1" dirty="0" smtClean="0"/>
-              <a:t>Mesa de jogo de um </a:t>
-            </a:r>
-            <a:r>
               <a:rPr lang="pt-BR" sz="1400" b="1" i="1" dirty="0" err="1" smtClean="0"/>
-              <a:t>Rpg</a:t>
-            </a:r>
-            <a:r>
-              <a:rPr lang="pt-BR" sz="1400" b="1" i="1" dirty="0" smtClean="0"/>
-              <a:t> de papel e caneta</a:t>
-            </a:r>
-          </a:p>
-          <a:p>
-            <a:endParaRPr lang="pt-BR" sz="1200" i="1" dirty="0"/>
-          </a:p>
-        </p:txBody>
-      </p:sp>
-      <p:sp>
-        <p:nvSpPr>
-          <p:cNvPr id="10" name="CaixaDeTexto 9"/>
-          <p:cNvSpPr txBox="1"/>
-          <p:nvPr/>
-        </p:nvSpPr>
-        <p:spPr>
-          <a:xfrm>
-            <a:off x="5643570" y="5996226"/>
-            <a:ext cx="1947969" cy="861774"/>
-          </a:xfrm>
-          <a:prstGeom prst="rect">
-            <a:avLst/>
-          </a:prstGeom>
-          <a:noFill/>
-        </p:spPr>
-        <p:txBody>
-          <a:bodyPr wrap="none" rtlCol="0">
-            <a:spAutoFit/>
-          </a:bodyPr>
-          <a:lstStyle/>
-          <a:p>
-            <a:r>
-              <a:rPr lang="pt-BR" sz="1400" b="1" i="1" dirty="0" smtClean="0"/>
-              <a:t>Livros guias do jogo</a:t>
-            </a:r>
-          </a:p>
-          <a:p>
-            <a:endParaRPr lang="pt-BR" dirty="0" smtClean="0"/>
-          </a:p>
-          <a:p>
-            <a:endParaRPr lang="pt-BR" dirty="0"/>
+              <a:t>Xenogears</a:t>
+            </a:r>
+            <a:endParaRPr lang="pt-BR" sz="1400" b="1" i="1" dirty="0"/>
           </a:p>
         </p:txBody>
       </p:sp>
       <p:pic>
         <p:nvPicPr>
-          <p:cNvPr id="11" name="Imagem 10" descr="wizards_dnd_35_reprint.png"/>
+          <p:cNvPr id="7" name="Imagem 6" descr="ff13battle.png"/>
           <p:cNvPicPr>
             <a:picLocks noChangeAspect="1"/>
           </p:cNvPicPr>
@@ -5426,14 +7377,52 @@
         </p:blipFill>
         <p:spPr>
           <a:xfrm>
-            <a:off x="4143372" y="2643182"/>
-            <a:ext cx="4714154" cy="3320860"/>
+            <a:off x="4429124" y="2143116"/>
+            <a:ext cx="4714876" cy="3286147"/>
           </a:xfrm>
           <a:prstGeom prst="rect">
             <a:avLst/>
           </a:prstGeom>
         </p:spPr>
       </p:pic>
+      <p:sp>
+        <p:nvSpPr>
+          <p:cNvPr id="8" name="CaixaDeTexto 7"/>
+          <p:cNvSpPr txBox="1"/>
+          <p:nvPr/>
+        </p:nvSpPr>
+        <p:spPr>
+          <a:xfrm>
+            <a:off x="6500826" y="5715016"/>
+            <a:ext cx="1633781" cy="307777"/>
+          </a:xfrm>
+          <a:prstGeom prst="rect">
+            <a:avLst/>
+          </a:prstGeom>
+          <a:noFill/>
+        </p:spPr>
+        <p:txBody>
+          <a:bodyPr wrap="none" rtlCol="0">
+            <a:spAutoFit/>
+          </a:bodyPr>
+          <a:lstStyle/>
+          <a:p>
+            <a:r>
+              <a:rPr lang="pt-BR" sz="1400" b="1" i="1" dirty="0" smtClean="0"/>
+              <a:t>Final </a:t>
+            </a:r>
+            <a:r>
+              <a:rPr lang="pt-BR" sz="1400" b="1" i="1" dirty="0" err="1" smtClean="0"/>
+              <a:t>Fantasy</a:t>
+            </a:r>
+            <a:r>
+              <a:rPr lang="pt-BR" sz="1400" b="1" i="1" dirty="0" smtClean="0"/>
+              <a:t> XIII</a:t>
+            </a:r>
+            <a:endParaRPr lang="pt-BR" sz="1400" b="1" i="1" dirty="0"/>
+          </a:p>
+        </p:txBody>
+      </p:sp>
     </p:spTree>
   </p:cSld>
   <p:clrMapOvr>
@@ -5483,13 +7472,86 @@
           </a:bodyPr>
           <a:lstStyle/>
           <a:p>
+            <a:pPr algn="just"/>
+            <a:r>
+              <a:rPr lang="pt-BR" sz="2000" b="1" dirty="0" smtClean="0"/>
+              <a:t>Tema: </a:t>
+            </a:r>
             <a:r>
               <a:rPr lang="pt-BR" sz="2000" dirty="0" smtClean="0"/>
-              <a:t>Em videogames e computadores o estilo pode ser chamado de CRPG – </a:t>
+              <a:t>Jogo para dispositivos móveis (</a:t>
             </a:r>
             <a:r>
               <a:rPr lang="pt-BR" sz="2000" dirty="0" err="1" smtClean="0"/>
-              <a:t>Computer</a:t>
+              <a:t>tablets</a:t>
+            </a:r>
+            <a:r>
+              <a:rPr lang="pt-BR" sz="2000" dirty="0" smtClean="0"/>
+              <a:t> e celulares)</a:t>
+            </a:r>
+          </a:p>
+          <a:p>
+            <a:pPr algn="just"/>
+            <a:r>
+              <a:rPr lang="pt-BR" sz="2000" dirty="0" smtClean="0"/>
+              <a:t/>
+            </a:r>
+            <a:br>
+              <a:rPr lang="pt-BR" sz="2000" dirty="0" smtClean="0"/>
+            </a:br>
+            <a:r>
+              <a:rPr lang="pt-BR" sz="2000" b="1" dirty="0" smtClean="0"/>
+              <a:t>Linguagem: </a:t>
+            </a:r>
+            <a:r>
+              <a:rPr lang="pt-BR" sz="2000" dirty="0" smtClean="0"/>
+              <a:t>C++</a:t>
+            </a:r>
+          </a:p>
+          <a:p>
+            <a:pPr algn="just"/>
+            <a:r>
+              <a:rPr lang="pt-BR" sz="2000" dirty="0" smtClean="0"/>
+              <a:t/>
+            </a:r>
+            <a:br>
+              <a:rPr lang="pt-BR" sz="2000" dirty="0" smtClean="0"/>
+            </a:br>
+            <a:r>
+              <a:rPr lang="pt-BR" sz="2000" b="1" dirty="0" smtClean="0"/>
+              <a:t>Descrição: </a:t>
+            </a:r>
+            <a:r>
+              <a:rPr lang="pt-BR" sz="2000" dirty="0" smtClean="0"/>
+              <a:t>O aplicativo será um RPG (Role </a:t>
+            </a:r>
+            <a:r>
+              <a:rPr lang="pt-BR" sz="2000" dirty="0" err="1" smtClean="0"/>
+              <a:t>Playing</a:t>
+            </a:r>
+            <a:r>
+              <a:rPr lang="pt-BR" sz="2000" dirty="0" smtClean="0"/>
+              <a:t> Game) baseado nos </a:t>
+            </a:r>
+            <a:r>
+              <a:rPr lang="pt-BR" sz="2000" b="1" dirty="0" smtClean="0"/>
+              <a:t>antigos jogos deste gênero </a:t>
+            </a:r>
+            <a:r>
+              <a:rPr lang="pt-BR" sz="2000" dirty="0" smtClean="0"/>
+              <a:t>(Final </a:t>
+            </a:r>
+            <a:r>
+              <a:rPr lang="pt-BR" sz="2000" dirty="0" err="1" smtClean="0"/>
+              <a:t>Fantasy</a:t>
+            </a:r>
+            <a:r>
+              <a:rPr lang="pt-BR" sz="2000" dirty="0" smtClean="0"/>
+              <a:t>, </a:t>
+            </a:r>
+            <a:r>
+              <a:rPr lang="pt-BR" sz="2000" dirty="0" err="1" smtClean="0"/>
+              <a:t>Dragon</a:t>
             </a:r>
             <a:r>
               <a:rPr lang="pt-BR" sz="2000" dirty="0" smtClean="0"/>
@@ -5497,60 +7559,49 @@
             </a:r>
             <a:r>
               <a:rPr lang="pt-BR" sz="2000" dirty="0" err="1" smtClean="0"/>
-              <a:t>Role-Playing</a:t>
+              <a:t>Quest</a:t>
             </a:r>
             <a:r>
               <a:rPr lang="pt-BR" sz="2000" dirty="0" smtClean="0"/>
-              <a:t> Game.</a:t>
-            </a:r>
-          </a:p>
-          <a:p>
-            <a:endParaRPr lang="pt-BR" sz="2000" dirty="0" smtClean="0"/>
-          </a:p>
-          <a:p>
-            <a:r>
+              <a:t>, entre outros), utilizando muito de seus sistemas (escolhas de classes, batalhas por turnos, etc.).</a:t>
+            </a:r>
+            <a:br>
               <a:rPr lang="pt-BR" sz="2000" dirty="0" smtClean="0"/>
-              <a:t>O gênero recebeu este nome nos videogames por compartilharem algumas semelhanças com o jogo original. Atributos (</a:t>
-            </a:r>
-            <a:r>
-              <a:rPr lang="pt-BR" sz="2000" dirty="0" err="1" smtClean="0"/>
-              <a:t>Health</a:t>
-            </a:r>
+            </a:br>
             <a:r>
               <a:rPr lang="pt-BR" sz="2000" dirty="0" smtClean="0"/>
-              <a:t> </a:t>
-            </a:r>
-            <a:r>
-              <a:rPr lang="pt-BR" sz="2000" dirty="0" err="1" smtClean="0"/>
-              <a:t>Points</a:t>
-            </a:r>
-            <a:r>
+              <a:t/>
+            </a:r>
+            <a:br>
               <a:rPr lang="pt-BR" sz="2000" dirty="0" smtClean="0"/>
-              <a:t> , Mana </a:t>
-            </a:r>
-            <a:r>
-              <a:rPr lang="pt-BR" sz="2000" dirty="0" err="1" smtClean="0"/>
-              <a:t>Points</a:t>
-            </a:r>
+            </a:br>
             <a:r>
               <a:rPr lang="pt-BR" sz="2000" dirty="0" smtClean="0"/>
-              <a:t>, entre outros), além da forma da narrativa.</a:t>
-            </a:r>
-          </a:p>
-          <a:p>
-            <a:endParaRPr lang="pt-BR" sz="2000" dirty="0" smtClean="0"/>
-          </a:p>
-          <a:p>
+              <a:t>Devido o atual crescimento do número de pessoas que possuem um </a:t>
+            </a:r>
+            <a:r>
+              <a:rPr lang="pt-BR" sz="2000" b="1" dirty="0" err="1" smtClean="0"/>
+              <a:t>Smartphone</a:t>
+            </a:r>
+            <a:r>
+              <a:rPr lang="pt-BR" sz="2000" b="1" dirty="0" smtClean="0"/>
+              <a:t> ou </a:t>
+            </a:r>
+            <a:r>
+              <a:rPr lang="pt-BR" sz="2000" b="1" dirty="0" err="1" smtClean="0"/>
+              <a:t>tablet</a:t>
+            </a:r>
             <a:r>
               <a:rPr lang="pt-BR" sz="2000" dirty="0" smtClean="0"/>
-              <a:t>Mas, apesar das semelhanças, no final ambos os estilos de RPG são bem diferentes entre si.</a:t>
-            </a:r>
-          </a:p>
-        </p:txBody>
-      </p:sp>
-      <p:sp>
-        <p:nvSpPr>
-          <p:cNvPr id="5" name="Título 2"/>
+              <a:t>, escolhi desenvolver para eles por causa do alcance que o jogo pode ter.</a:t>
+            </a:r>
+            <a:endParaRPr lang="pt-BR" sz="2000" dirty="0"/>
+          </a:p>
+        </p:txBody>
+      </p:sp>
+      <p:sp>
+        <p:nvSpPr>
+          <p:cNvPr id="3" name="Título 2"/>
           <p:cNvSpPr>
             <a:spLocks noGrp="1"/>
           </p:cNvSpPr>
@@ -5565,7 +7616,7 @@
           <a:p>
             <a:r>
               <a:rPr lang="pt-BR" dirty="0" smtClean="0"/>
-              <a:t>O que é um RPG?</a:t>
+              <a:t>Projeto</a:t>
             </a:r>
             <a:endParaRPr lang="pt-BR" dirty="0"/>
           </a:p>
@@ -5620,8 +7671,50 @@
           <a:p>
             <a:r>
               <a:rPr lang="pt-BR" dirty="0" smtClean="0"/>
-              <a:t>Exemplos de CRPG</a:t>
-            </a:r>
+              <a:t>Classes até agora construídas:</a:t>
+            </a:r>
+          </a:p>
+          <a:p>
+            <a:r>
+              <a:rPr lang="pt-BR" dirty="0"/>
+              <a:t>- </a:t>
+            </a:r>
+            <a:r>
+              <a:rPr lang="pt-BR" dirty="0" smtClean="0"/>
+              <a:t>Atributo</a:t>
+            </a:r>
+          </a:p>
+          <a:p>
+            <a:r>
+              <a:rPr lang="pt-BR" dirty="0" smtClean="0"/>
+              <a:t>- Herói</a:t>
+            </a:r>
+          </a:p>
+          <a:p>
+            <a:r>
+              <a:rPr lang="pt-BR" dirty="0" smtClean="0"/>
+              <a:t>- Item</a:t>
+            </a:r>
+          </a:p>
+          <a:p>
+            <a:r>
+              <a:rPr lang="pt-BR" dirty="0" smtClean="0"/>
+              <a:t>- Monstro</a:t>
+            </a:r>
+          </a:p>
+          <a:p>
+            <a:r>
+              <a:rPr lang="pt-BR" dirty="0" smtClean="0"/>
+              <a:t>- Magias</a:t>
+            </a:r>
+          </a:p>
+          <a:p>
+            <a:r>
+              <a:rPr lang="pt-BR" dirty="0" smtClean="0"/>
+              <a:t>- Elemento</a:t>
+            </a:r>
+          </a:p>
+          <a:p>
             <a:endParaRPr lang="pt-BR" dirty="0"/>
           </a:p>
         </p:txBody>
@@ -5638,130 +7731,16 @@
         </p:nvSpPr>
         <p:spPr/>
         <p:txBody>
-          <a:bodyPr/>
-          <a:lstStyle/>
-          <a:p>
-            <a:r>
-              <a:rPr lang="pt-BR" dirty="0" smtClean="0"/>
-              <a:t>O que é um RPG?</a:t>
-            </a:r>
-            <a:endParaRPr lang="pt-BR" dirty="0"/>
-          </a:p>
-        </p:txBody>
-      </p:sp>
-      <p:pic>
-        <p:nvPicPr>
-          <p:cNvPr id="4" name="Imagem 3" descr="440441-xenogears-playstation-screenshot-battle-at-the-top-of-the.png"/>
-          <p:cNvPicPr>
-            <a:picLocks noChangeAspect="1"/>
-          </p:cNvPicPr>
-          <p:nvPr/>
-        </p:nvPicPr>
-        <p:blipFill>
-          <a:blip r:embed="rId2"/>
-          <a:stretch>
-            <a:fillRect/>
-          </a:stretch>
-        </p:blipFill>
-        <p:spPr>
-          <a:xfrm>
-            <a:off x="0" y="2143116"/>
-            <a:ext cx="4286279" cy="3214710"/>
-          </a:xfrm>
-          <a:prstGeom prst="rect">
-            <a:avLst/>
-          </a:prstGeom>
-        </p:spPr>
-      </p:pic>
-      <p:sp>
-        <p:nvSpPr>
-          <p:cNvPr id="5" name="CaixaDeTexto 4"/>
-          <p:cNvSpPr txBox="1"/>
-          <p:nvPr/>
-        </p:nvSpPr>
-        <p:spPr>
-          <a:xfrm>
-            <a:off x="1785918" y="5643578"/>
-            <a:ext cx="1095172" cy="307777"/>
-          </a:xfrm>
-          <a:prstGeom prst="rect">
-            <a:avLst/>
-          </a:prstGeom>
-          <a:noFill/>
-        </p:spPr>
-        <p:txBody>
-          <a:bodyPr wrap="none" rtlCol="0">
-            <a:spAutoFit/>
+          <a:bodyPr>
+            <a:normAutofit/>
           </a:bodyPr>
           <a:lstStyle/>
           <a:p>
             <a:r>
-              <a:rPr lang="pt-BR" sz="1400" b="1" i="1" dirty="0" err="1" smtClean="0"/>
-              <a:t>Xenogears</a:t>
-            </a:r>
-            <a:endParaRPr lang="pt-BR" sz="1400" b="1" i="1" dirty="0"/>
-          </a:p>
-        </p:txBody>
-      </p:sp>
-      <p:pic>
-        <p:nvPicPr>
-          <p:cNvPr id="7" name="Imagem 6" descr="ff13battle.png"/>
-          <p:cNvPicPr>
-            <a:picLocks noChangeAspect="1"/>
-          </p:cNvPicPr>
-          <p:nvPr/>
-        </p:nvPicPr>
-        <p:blipFill>
-          <a:blip r:embed="rId3"/>
-          <a:stretch>
-            <a:fillRect/>
-          </a:stretch>
-        </p:blipFill>
-        <p:spPr>
-          <a:xfrm>
-            <a:off x="4429124" y="2143116"/>
-            <a:ext cx="4714876" cy="3286147"/>
-          </a:xfrm>
-          <a:prstGeom prst="rect">
-            <a:avLst/>
-          </a:prstGeom>
-        </p:spPr>
-      </p:pic>
-      <p:sp>
-        <p:nvSpPr>
-          <p:cNvPr id="8" name="CaixaDeTexto 7"/>
-          <p:cNvSpPr txBox="1"/>
-          <p:nvPr/>
-        </p:nvSpPr>
-        <p:spPr>
-          <a:xfrm>
-            <a:off x="6500826" y="5715016"/>
-            <a:ext cx="1633781" cy="307777"/>
-          </a:xfrm>
-          <a:prstGeom prst="rect">
-            <a:avLst/>
-          </a:prstGeom>
-          <a:noFill/>
-        </p:spPr>
-        <p:txBody>
-          <a:bodyPr wrap="none" rtlCol="0">
-            <a:spAutoFit/>
-          </a:bodyPr>
-          <a:lstStyle/>
-          <a:p>
-            <a:r>
-              <a:rPr lang="pt-BR" sz="1400" b="1" i="1" dirty="0" smtClean="0"/>
-              <a:t>Final </a:t>
-            </a:r>
-            <a:r>
-              <a:rPr lang="pt-BR" sz="1400" b="1" i="1" dirty="0" err="1" smtClean="0"/>
-              <a:t>Fantasy</a:t>
-            </a:r>
-            <a:r>
-              <a:rPr lang="pt-BR" sz="1400" b="1" i="1" dirty="0" smtClean="0"/>
-              <a:t> XIII</a:t>
-            </a:r>
-            <a:endParaRPr lang="pt-BR" sz="1400" b="1" i="1" dirty="0"/>
+              <a:rPr lang="pt-BR" dirty="0" smtClean="0"/>
+              <a:t>Projeto</a:t>
+            </a:r>
+            <a:endParaRPr lang="pt-BR" dirty="0"/>
           </a:p>
         </p:txBody>
       </p:sp>
@@ -5809,151 +7788,95 @@
         </p:nvSpPr>
         <p:spPr/>
         <p:txBody>
+          <a:bodyPr/>
+          <a:lstStyle/>
+          <a:p>
+            <a:r>
+              <a:rPr lang="pt-BR" dirty="0" smtClean="0"/>
+              <a:t>Classes até agora construídas:</a:t>
+            </a:r>
+          </a:p>
+          <a:p>
+            <a:r>
+              <a:rPr lang="pt-BR" dirty="0" smtClean="0"/>
+              <a:t>- </a:t>
+            </a:r>
+            <a:r>
+              <a:rPr lang="pt-BR" dirty="0" smtClean="0">
+                <a:solidFill>
+                  <a:srgbClr val="FF0000"/>
+                </a:solidFill>
+              </a:rPr>
+              <a:t>Atributos</a:t>
+            </a:r>
+          </a:p>
+          <a:p>
+            <a:r>
+              <a:rPr lang="pt-BR" dirty="0" smtClean="0"/>
+              <a:t>-</a:t>
+            </a:r>
+            <a:r>
+              <a:rPr lang="pt-BR" dirty="0" smtClean="0">
+                <a:solidFill>
+                  <a:srgbClr val="FF0000"/>
+                </a:solidFill>
+              </a:rPr>
+              <a:t> </a:t>
+            </a:r>
+            <a:r>
+              <a:rPr lang="pt-BR" dirty="0" smtClean="0"/>
+              <a:t>Herói</a:t>
+            </a:r>
+          </a:p>
+          <a:p>
+            <a:r>
+              <a:rPr lang="pt-BR" dirty="0" smtClean="0"/>
+              <a:t>- Item</a:t>
+            </a:r>
+          </a:p>
+          <a:p>
+            <a:r>
+              <a:rPr lang="pt-BR" dirty="0" smtClean="0"/>
+              <a:t>- Monstro</a:t>
+            </a:r>
+          </a:p>
+          <a:p>
+            <a:r>
+              <a:rPr lang="pt-BR" dirty="0" smtClean="0"/>
+              <a:t>- </a:t>
+            </a:r>
+            <a:r>
+              <a:rPr lang="pt-BR" dirty="0" smtClean="0"/>
+              <a:t>Magias</a:t>
+            </a:r>
+            <a:endParaRPr lang="pt-BR" dirty="0" smtClean="0"/>
+          </a:p>
+          <a:p>
+            <a:r>
+              <a:rPr lang="pt-BR" dirty="0" smtClean="0"/>
+              <a:t>- Elemento</a:t>
+            </a:r>
+          </a:p>
+          <a:p>
+            <a:endParaRPr lang="pt-BR" dirty="0"/>
+          </a:p>
+        </p:txBody>
+      </p:sp>
+      <p:sp>
+        <p:nvSpPr>
+          <p:cNvPr id="3" name="Título 2"/>
+          <p:cNvSpPr>
+            <a:spLocks noGrp="1"/>
+          </p:cNvSpPr>
+          <p:nvPr>
+            <p:ph type="title"/>
+          </p:nvPr>
+        </p:nvSpPr>
+        <p:spPr/>
+        <p:txBody>
           <a:bodyPr>
             <a:normAutofit/>
           </a:bodyPr>
-          <a:lstStyle/>
-          <a:p>
-            <a:pPr algn="just"/>
-            <a:r>
-              <a:rPr lang="pt-BR" sz="2000" b="1" dirty="0" smtClean="0"/>
-              <a:t>Tema: </a:t>
-            </a:r>
-            <a:r>
-              <a:rPr lang="pt-BR" sz="2000" dirty="0" smtClean="0"/>
-              <a:t>Jogo para dispositivos móveis (</a:t>
-            </a:r>
-            <a:r>
-              <a:rPr lang="pt-BR" sz="2000" dirty="0" err="1" smtClean="0"/>
-              <a:t>tablets</a:t>
-            </a:r>
-            <a:r>
-              <a:rPr lang="pt-BR" sz="2000" dirty="0" smtClean="0"/>
-              <a:t> e celulares)</a:t>
-            </a:r>
-          </a:p>
-          <a:p>
-            <a:pPr algn="just"/>
-            <a:r>
-              <a:rPr lang="pt-BR" sz="2000" dirty="0" smtClean="0"/>
-              <a:t/>
-            </a:r>
-            <a:br>
-              <a:rPr lang="pt-BR" sz="2000" dirty="0" smtClean="0"/>
-            </a:br>
-            <a:r>
-              <a:rPr lang="pt-BR" sz="2000" b="1" dirty="0" smtClean="0"/>
-              <a:t>Linguagem: </a:t>
-            </a:r>
-            <a:r>
-              <a:rPr lang="pt-BR" sz="2000" dirty="0" smtClean="0"/>
-              <a:t>C++</a:t>
-            </a:r>
-          </a:p>
-          <a:p>
-            <a:pPr algn="just"/>
-            <a:r>
-              <a:rPr lang="pt-BR" sz="2000" dirty="0" smtClean="0"/>
-              <a:t/>
-            </a:r>
-            <a:br>
-              <a:rPr lang="pt-BR" sz="2000" dirty="0" smtClean="0"/>
-            </a:br>
-            <a:r>
-              <a:rPr lang="pt-BR" sz="2000" b="1" dirty="0" smtClean="0"/>
-              <a:t>Descrição: </a:t>
-            </a:r>
-            <a:r>
-              <a:rPr lang="pt-BR" sz="2000" dirty="0" smtClean="0"/>
-              <a:t>O aplicativo será um RPG (Role </a:t>
-            </a:r>
-            <a:r>
-              <a:rPr lang="pt-BR" sz="2000" dirty="0" err="1" smtClean="0"/>
-              <a:t>Playing</a:t>
-            </a:r>
-            <a:r>
-              <a:rPr lang="pt-BR" sz="2000" dirty="0" smtClean="0"/>
-              <a:t> Game) baseado nos </a:t>
-            </a:r>
-            <a:r>
-              <a:rPr lang="pt-BR" sz="2000" b="1" dirty="0" smtClean="0"/>
-              <a:t>antigos jogos deste gênero </a:t>
-            </a:r>
-            <a:r>
-              <a:rPr lang="pt-BR" sz="2000" dirty="0" smtClean="0"/>
-              <a:t>(Final </a:t>
-            </a:r>
-            <a:r>
-              <a:rPr lang="pt-BR" sz="2000" dirty="0" err="1" smtClean="0"/>
-              <a:t>Fantasy</a:t>
-            </a:r>
-            <a:r>
-              <a:rPr lang="pt-BR" sz="2000" dirty="0" smtClean="0"/>
-              <a:t>, </a:t>
-            </a:r>
-            <a:r>
-              <a:rPr lang="pt-BR" sz="2000" dirty="0" err="1" smtClean="0"/>
-              <a:t>Dragon</a:t>
-            </a:r>
-            <a:r>
-              <a:rPr lang="pt-BR" sz="2000" dirty="0" smtClean="0"/>
-              <a:t> </a:t>
-            </a:r>
-            <a:r>
-              <a:rPr lang="pt-BR" sz="2000" dirty="0" err="1" smtClean="0"/>
-              <a:t>Quest</a:t>
-            </a:r>
-            <a:r>
-              <a:rPr lang="pt-BR" sz="2000" dirty="0" smtClean="0"/>
-              <a:t>, entre outros), utilizando muito de seus sistemas (escolhas de classes, batalhas por turnos, etc.).</a:t>
-            </a:r>
-            <a:br>
-              <a:rPr lang="pt-BR" sz="2000" dirty="0" smtClean="0"/>
-            </a:br>
-            <a:r>
-              <a:rPr lang="pt-BR" sz="2000" dirty="0" smtClean="0"/>
-              <a:t/>
-            </a:r>
-            <a:br>
-              <a:rPr lang="pt-BR" sz="2000" dirty="0" smtClean="0"/>
-            </a:br>
-            <a:r>
-              <a:rPr lang="pt-BR" sz="2000" dirty="0" smtClean="0"/>
-              <a:t>Devido o atual crescimento do número de pessoas que possuem um </a:t>
-            </a:r>
-            <a:r>
-              <a:rPr lang="pt-BR" sz="2000" b="1" dirty="0" err="1" smtClean="0"/>
-              <a:t>Smartphone</a:t>
-            </a:r>
-            <a:r>
-              <a:rPr lang="pt-BR" sz="2000" b="1" dirty="0" smtClean="0"/>
-              <a:t> ou </a:t>
-            </a:r>
-            <a:r>
-              <a:rPr lang="pt-BR" sz="2000" b="1" dirty="0" err="1" smtClean="0"/>
-              <a:t>tablet</a:t>
-            </a:r>
-            <a:r>
-              <a:rPr lang="pt-BR" sz="2000" dirty="0" smtClean="0"/>
-              <a:t>, escolhi desenvolver para eles por causa do alcance que o jogo pode ter.</a:t>
-            </a:r>
-            <a:endParaRPr lang="pt-BR" sz="2000" dirty="0"/>
-          </a:p>
-        </p:txBody>
-      </p:sp>
-      <p:sp>
-        <p:nvSpPr>
-          <p:cNvPr id="3" name="Título 2"/>
-          <p:cNvSpPr>
-            <a:spLocks noGrp="1"/>
-          </p:cNvSpPr>
-          <p:nvPr>
-            <p:ph type="title"/>
-          </p:nvPr>
-        </p:nvSpPr>
-        <p:spPr/>
-        <p:txBody>
-          <a:bodyPr/>
           <a:lstStyle/>
           <a:p>
             <a:r>
@@ -5998,12 +7921,12 @@
       </p:grpSpPr>
       <p:sp>
         <p:nvSpPr>
-          <p:cNvPr id="2" name="Espaço Reservado para Conteúdo 1"/>
-          <p:cNvSpPr>
-            <a:spLocks noGrp="1"/>
-          </p:cNvSpPr>
-          <p:nvPr>
-            <p:ph idx="1"/>
+          <p:cNvPr id="3" name="Título 2"/>
+          <p:cNvSpPr>
+            <a:spLocks noGrp="1"/>
+          </p:cNvSpPr>
+          <p:nvPr>
+            <p:ph type="title"/>
           </p:nvPr>
         </p:nvSpPr>
         <p:spPr/>
@@ -6013,77 +7936,165 @@
           <a:p>
             <a:r>
               <a:rPr lang="pt-BR" dirty="0" smtClean="0"/>
-              <a:t>Classes até agora construídas:</a:t>
-            </a:r>
-          </a:p>
-          <a:p>
-            <a:r>
-              <a:rPr lang="pt-BR" dirty="0"/>
-              <a:t>- </a:t>
+              <a:t>Classe </a:t>
             </a:r>
             <a:r>
               <a:rPr lang="pt-BR" dirty="0" err="1" smtClean="0"/>
               <a:t>Character</a:t>
             </a:r>
+            <a:endParaRPr lang="pt-BR" dirty="0"/>
+          </a:p>
+        </p:txBody>
+      </p:sp>
+      <p:sp>
+        <p:nvSpPr>
+          <p:cNvPr id="5" name="Espaço Reservado para Conteúdo 4"/>
+          <p:cNvSpPr>
+            <a:spLocks noGrp="1"/>
+          </p:cNvSpPr>
+          <p:nvPr>
+            <p:ph idx="1"/>
+          </p:nvPr>
+        </p:nvSpPr>
+        <p:spPr/>
+        <p:txBody>
+          <a:bodyPr/>
+          <a:lstStyle/>
+          <a:p>
+            <a:pPr marL="109728" indent="0">
+              <a:buNone/>
+            </a:pPr>
             <a:endParaRPr lang="pt-BR" dirty="0" smtClean="0"/>
           </a:p>
           <a:p>
-            <a:r>
-              <a:rPr lang="pt-BR" dirty="0" smtClean="0"/>
-              <a:t>- </a:t>
-            </a:r>
-            <a:r>
-              <a:rPr lang="pt-BR" dirty="0" smtClean="0"/>
-              <a:t>Herói</a:t>
-            </a:r>
-          </a:p>
-          <a:p>
-            <a:r>
-              <a:rPr lang="pt-BR" dirty="0" smtClean="0"/>
-              <a:t>- Item</a:t>
-            </a:r>
-          </a:p>
-          <a:p>
-            <a:r>
-              <a:rPr lang="pt-BR" dirty="0" smtClean="0"/>
-              <a:t>- Monstro</a:t>
-            </a:r>
-          </a:p>
-          <a:p>
-            <a:r>
-              <a:rPr lang="pt-BR" dirty="0" smtClean="0"/>
-              <a:t>-Magia</a:t>
-            </a:r>
+            <a:pPr marL="109728" indent="0">
+              <a:buNone/>
+            </a:pPr>
             <a:endParaRPr lang="pt-BR" dirty="0"/>
           </a:p>
         </p:txBody>
       </p:sp>
       <p:sp>
         <p:nvSpPr>
-          <p:cNvPr id="3" name="Título 2"/>
-          <p:cNvSpPr>
-            <a:spLocks noGrp="1"/>
-          </p:cNvSpPr>
-          <p:nvPr>
-            <p:ph type="title"/>
-          </p:nvPr>
-        </p:nvSpPr>
-        <p:spPr/>
-        <p:txBody>
-          <a:bodyPr>
-            <a:normAutofit/>
+          <p:cNvPr id="6" name="CaixaDeTexto 5"/>
+          <p:cNvSpPr txBox="1"/>
+          <p:nvPr/>
+        </p:nvSpPr>
+        <p:spPr>
+          <a:xfrm>
+            <a:off x="1835696" y="4653136"/>
+            <a:ext cx="7268336" cy="1569660"/>
+          </a:xfrm>
+          <a:prstGeom prst="rect">
+            <a:avLst/>
+          </a:prstGeom>
+          <a:noFill/>
+        </p:spPr>
+        <p:txBody>
+          <a:bodyPr wrap="none" rtlCol="0">
+            <a:spAutoFit/>
           </a:bodyPr>
           <a:lstStyle/>
           <a:p>
             <a:r>
-              <a:rPr lang="pt-BR" dirty="0" smtClean="0"/>
-              <a:t>Projeto</a:t>
-            </a:r>
-            <a:endParaRPr lang="pt-BR" dirty="0"/>
-          </a:p>
-        </p:txBody>
-      </p:sp>
+              <a:rPr lang="pt-BR" sz="1200" b="1" dirty="0" smtClean="0"/>
+              <a:t>Classe</a:t>
+            </a:r>
+            <a:r>
+              <a:rPr lang="pt-BR" sz="1200" dirty="0" smtClean="0"/>
+              <a:t>: Atributos</a:t>
+            </a:r>
+          </a:p>
+          <a:p>
+            <a:endParaRPr lang="pt-BR" sz="1200" dirty="0"/>
+          </a:p>
+          <a:p>
+            <a:r>
+              <a:rPr lang="pt-BR" sz="1200" b="1" dirty="0" smtClean="0"/>
+              <a:t>Descrição</a:t>
+            </a:r>
+            <a:r>
+              <a:rPr lang="pt-BR" sz="1200" dirty="0" smtClean="0"/>
+              <a:t>: A classe “Atributos” define os atributos tantos dos monstros quando os dos heróis, </a:t>
+            </a:r>
+          </a:p>
+          <a:p>
+            <a:r>
+              <a:rPr lang="pt-BR" sz="1200" dirty="0" smtClean="0"/>
+              <a:t>por isto ambos herdam desta.</a:t>
+            </a:r>
+          </a:p>
+          <a:p>
+            <a:r>
+              <a:rPr lang="pt-BR" sz="1200" dirty="0" smtClean="0"/>
+              <a:t>	</a:t>
+            </a:r>
+            <a:endParaRPr lang="pt-BR" sz="1200" b="1" dirty="0"/>
+          </a:p>
+          <a:p>
+            <a:r>
+              <a:rPr lang="pt-BR" sz="1200" b="1" dirty="0" smtClean="0"/>
+              <a:t>Herda de </a:t>
+            </a:r>
+            <a:r>
+              <a:rPr lang="pt-BR" sz="1200" dirty="0" smtClean="0"/>
+              <a:t>: Ninguém</a:t>
+            </a:r>
+          </a:p>
+          <a:p>
+            <a:endParaRPr lang="pt-BR" sz="1200" dirty="0" smtClean="0"/>
+          </a:p>
+          <a:p>
+            <a:r>
+              <a:rPr lang="pt-BR" sz="1200" b="1" dirty="0" smtClean="0"/>
+              <a:t>É Herdada por</a:t>
+            </a:r>
+            <a:r>
+              <a:rPr lang="pt-BR" sz="1200" dirty="0" smtClean="0"/>
+              <a:t>: </a:t>
+            </a:r>
+            <a:r>
+              <a:rPr lang="pt-BR" sz="1200" dirty="0" err="1" smtClean="0"/>
+              <a:t>Heroi</a:t>
+            </a:r>
+            <a:r>
+              <a:rPr lang="pt-BR" sz="1200" dirty="0" smtClean="0"/>
+              <a:t> e Monstro</a:t>
+            </a:r>
+            <a:endParaRPr lang="pt-BR" sz="1200" dirty="0"/>
+          </a:p>
+        </p:txBody>
+      </p:sp>
+      <p:pic>
+        <p:nvPicPr>
+          <p:cNvPr id="7" name="Imagem 6" descr="01.PNG"/>
+          <p:cNvPicPr>
+            <a:picLocks noChangeAspect="1"/>
+          </p:cNvPicPr>
+          <p:nvPr/>
+        </p:nvPicPr>
+        <p:blipFill>
+          <a:blip r:embed="rId2"/>
+          <a:stretch>
+            <a:fillRect/>
+          </a:stretch>
+        </p:blipFill>
+        <p:spPr>
+          <a:xfrm>
+            <a:off x="285720" y="1643050"/>
+            <a:ext cx="8615425" cy="2571768"/>
+          </a:xfrm>
+          <a:prstGeom prst="rect">
+            <a:avLst/>
+          </a:prstGeom>
+        </p:spPr>
+      </p:pic>
     </p:spTree>
+    <p:extLst>
+      <p:ext uri="{BB962C8B-B14F-4D97-AF65-F5344CB8AC3E}">
+        <p14:creationId xmlns:p14="http://schemas.microsoft.com/office/powerpoint/2010/main" val="2670677677"/>
+      </p:ext>
+    </p:extLst>
   </p:cSld>
   <p:clrMapOvr>
     <a:masterClrMapping/>
@@ -6137,27 +8148,18 @@
           </a:p>
           <a:p>
             <a:r>
+              <a:rPr lang="pt-BR" dirty="0"/>
+              <a:t>- </a:t>
+            </a:r>
+            <a:r>
+              <a:rPr lang="pt-BR" dirty="0" smtClean="0"/>
+              <a:t>Atributos</a:t>
+            </a:r>
+          </a:p>
+          <a:p>
+            <a:r>
               <a:rPr lang="pt-BR" dirty="0" smtClean="0"/>
               <a:t>- </a:t>
-            </a:r>
-            <a:r>
-              <a:rPr lang="pt-BR" dirty="0" err="1" smtClean="0">
-                <a:solidFill>
-                  <a:srgbClr val="FF0000"/>
-                </a:solidFill>
-              </a:rPr>
-              <a:t>Character</a:t>
-            </a:r>
-            <a:endParaRPr lang="pt-BR" dirty="0" smtClean="0">
-              <a:solidFill>
-                <a:srgbClr val="FF0000"/>
-              </a:solidFill>
-            </a:endParaRPr>
-          </a:p>
-          <a:p>
-            <a:r>
-              <a:rPr lang="pt-BR" dirty="0" smtClean="0"/>
-              <a:t>-</a:t>
             </a:r>
             <a:r>
               <a:rPr lang="pt-BR" dirty="0" smtClean="0">
@@ -6165,10 +8167,6 @@
                   <a:srgbClr val="FF0000"/>
                 </a:solidFill>
               </a:rPr>
-              <a:t> </a:t>
-            </a:r>
-            <a:r>
-              <a:rPr lang="pt-BR" dirty="0" smtClean="0"/>
               <a:t>Herói</a:t>
             </a:r>
           </a:p>
@@ -6187,8 +8185,16 @@
           <a:p>
             <a:r>
               <a:rPr lang="pt-BR" dirty="0" smtClean="0"/>
-              <a:t>-Magia</a:t>
-            </a:r>
+              <a:t>- Magia</a:t>
+            </a:r>
+          </a:p>
+          <a:p>
+            <a:r>
+              <a:rPr lang="pt-BR" dirty="0" smtClean="0"/>
+              <a:t>- Elemento</a:t>
+            </a:r>
+          </a:p>
+          <a:p>
             <a:endParaRPr lang="pt-BR" dirty="0"/>
           </a:p>
         </p:txBody>
@@ -6219,6 +8225,11 @@
         </p:txBody>
       </p:sp>
     </p:spTree>
+    <p:extLst>
+      <p:ext uri="{BB962C8B-B14F-4D97-AF65-F5344CB8AC3E}">
+        <p14:creationId xmlns:p14="http://schemas.microsoft.com/office/powerpoint/2010/main" val="3078248800"/>
+      </p:ext>
+    </p:extLst>
   </p:cSld>
   <p:clrMapOvr>
     <a:masterClrMapping/>
@@ -6252,12 +8263,12 @@
       </p:grpSpPr>
       <p:sp>
         <p:nvSpPr>
-          <p:cNvPr id="3" name="Título 2"/>
-          <p:cNvSpPr>
-            <a:spLocks noGrp="1"/>
-          </p:cNvSpPr>
-          <p:nvPr>
-            <p:ph type="title"/>
+          <p:cNvPr id="2" name="Espaço Reservado para Conteúdo 1"/>
+          <p:cNvSpPr>
+            <a:spLocks noGrp="1"/>
+          </p:cNvSpPr>
+          <p:nvPr>
+            <p:ph idx="1"/>
           </p:nvPr>
         </p:nvSpPr>
         <p:spPr/>
@@ -6265,13 +8276,40 @@
           <a:bodyPr/>
           <a:lstStyle/>
           <a:p>
+            <a:endParaRPr lang="pt-BR" dirty="0"/>
+          </a:p>
+          <a:p>
+            <a:endParaRPr lang="pt-BR" dirty="0" smtClean="0"/>
+          </a:p>
+          <a:p>
+            <a:endParaRPr lang="pt-BR" dirty="0"/>
+          </a:p>
+        </p:txBody>
+      </p:sp>
+      <p:sp>
+        <p:nvSpPr>
+          <p:cNvPr id="3" name="Título 2"/>
+          <p:cNvSpPr>
+            <a:spLocks noGrp="1"/>
+          </p:cNvSpPr>
+          <p:nvPr>
+            <p:ph type="title"/>
+          </p:nvPr>
+        </p:nvSpPr>
+        <p:spPr/>
+        <p:txBody>
+          <a:bodyPr>
+            <a:normAutofit/>
+          </a:bodyPr>
+          <a:lstStyle/>
+          <a:p>
             <a:r>
               <a:rPr lang="pt-BR" dirty="0" smtClean="0"/>
               <a:t>Classe </a:t>
             </a:r>
             <a:r>
               <a:rPr lang="pt-BR" dirty="0" err="1" smtClean="0"/>
-              <a:t>Character</a:t>
+              <a:t>Heroi</a:t>
             </a:r>
             <a:endParaRPr lang="pt-BR" dirty="0"/>
           </a:p>
@@ -6279,96 +8317,14 @@
       </p:sp>
       <p:sp>
         <p:nvSpPr>
-          <p:cNvPr id="5" name="Espaço Reservado para Conteúdo 4"/>
-          <p:cNvSpPr>
-            <a:spLocks noGrp="1"/>
-          </p:cNvSpPr>
-          <p:nvPr>
-            <p:ph idx="1"/>
-          </p:nvPr>
-        </p:nvSpPr>
-        <p:spPr/>
-        <p:txBody>
-          <a:bodyPr/>
-          <a:lstStyle/>
-          <a:p>
-            <a:pPr marL="109728" indent="0">
-              <a:buNone/>
-            </a:pPr>
-            <a:endParaRPr lang="pt-BR" dirty="0" smtClean="0"/>
-          </a:p>
-          <a:p>
-            <a:pPr marL="109728" indent="0">
-              <a:buNone/>
-            </a:pPr>
-            <a:endParaRPr lang="pt-BR" dirty="0"/>
-          </a:p>
-        </p:txBody>
-      </p:sp>
-      <p:pic>
-        <p:nvPicPr>
-          <p:cNvPr id="1026" name="Picture 2"/>
-          <p:cNvPicPr>
-            <a:picLocks noChangeAspect="1" noChangeArrowheads="1"/>
-          </p:cNvPicPr>
-          <p:nvPr/>
-        </p:nvPicPr>
-        <p:blipFill>
-          <a:blip r:embed="rId2">
-            <a:extLst>
-              <a:ext uri="{28A0092B-C50C-407E-A947-70E740481C1C}">
-                <a14:useLocalDpi xmlns:a14="http://schemas.microsoft.com/office/drawing/2010/main" val="0"/>
-              </a:ext>
-            </a:extLst>
-          </a:blip>
-          <a:srcRect/>
-          <a:stretch>
-            <a:fillRect/>
-          </a:stretch>
-        </p:blipFill>
-        <p:spPr bwMode="auto">
-          <a:xfrm>
-            <a:off x="408147" y="1484784"/>
-            <a:ext cx="8496945" cy="2743200"/>
-          </a:xfrm>
-          <a:prstGeom prst="rect">
-            <a:avLst/>
-          </a:prstGeom>
-          <a:noFill/>
-          <a:ln>
-            <a:noFill/>
-          </a:ln>
-          <a:extLst>
-            <a:ext uri="{909E8E84-426E-40DD-AFC4-6F175D3DCCD1}">
-              <a14:hiddenFill xmlns:a14="http://schemas.microsoft.com/office/drawing/2010/main">
-                <a:solidFill>
-                  <a:schemeClr val="accent1"/>
-                </a:solidFill>
-              </a14:hiddenFill>
-            </a:ext>
-            <a:ext uri="{91240B29-F687-4F45-9708-019B960494DF}">
-              <a14:hiddenLine xmlns:a14="http://schemas.microsoft.com/office/drawing/2010/main" w="9525">
-                <a:solidFill>
-                  <a:schemeClr val="tx1"/>
-                </a:solidFill>
-                <a:miter lim="800000"/>
-                <a:headEnd/>
-                <a:tailEnd/>
-              </a14:hiddenLine>
-            </a:ext>
-          </a:extLst>
-        </p:spPr>
-      </p:pic>
-      <p:sp>
-        <p:nvSpPr>
-          <p:cNvPr id="6" name="CaixaDeTexto 5"/>
+          <p:cNvPr id="5" name="CaixaDeTexto 4"/>
           <p:cNvSpPr txBox="1"/>
           <p:nvPr/>
         </p:nvSpPr>
         <p:spPr>
           <a:xfrm>
-            <a:off x="1835696" y="4653136"/>
-            <a:ext cx="6316153" cy="1384995"/>
+            <a:off x="984394" y="4500570"/>
+            <a:ext cx="8159606" cy="1754326"/>
           </a:xfrm>
           <a:prstGeom prst="rect">
             <a:avLst/>
@@ -6383,78 +8339,108 @@
           <a:p>
             <a:r>
               <a:rPr lang="pt-BR" sz="1200" b="1" dirty="0" smtClean="0"/>
-              <a:t>Classe</a:t>
-            </a:r>
-            <a:r>
-              <a:rPr lang="pt-BR" sz="1200" dirty="0" smtClean="0"/>
-              <a:t>: </a:t>
-            </a:r>
-            <a:r>
-              <a:rPr lang="pt-BR" sz="1200" dirty="0" err="1" smtClean="0"/>
-              <a:t>Character</a:t>
-            </a:r>
-            <a:endParaRPr lang="pt-BR" sz="1200" dirty="0" smtClean="0"/>
-          </a:p>
-          <a:p>
-            <a:endParaRPr lang="pt-BR" sz="1200" dirty="0"/>
-          </a:p>
-          <a:p>
-            <a:r>
-              <a:rPr lang="pt-BR" sz="1200" b="1" dirty="0" smtClean="0"/>
-              <a:t>Descrição</a:t>
-            </a:r>
-            <a:r>
-              <a:rPr lang="pt-BR" sz="1200" dirty="0" smtClean="0"/>
-              <a:t>: Armazena informações gerais sobres personagens jogáveis e monstros</a:t>
-            </a:r>
-          </a:p>
-          <a:p>
-            <a:endParaRPr lang="pt-BR" sz="1200" b="1" dirty="0"/>
-          </a:p>
-          <a:p>
-            <a:r>
-              <a:rPr lang="pt-BR" sz="1200" b="1" dirty="0" smtClean="0"/>
-              <a:t>Herda de </a:t>
-            </a:r>
-            <a:r>
-              <a:rPr lang="pt-BR" sz="1200" dirty="0" smtClean="0"/>
-              <a:t>: Ninguém</a:t>
-            </a:r>
-          </a:p>
-          <a:p>
-            <a:endParaRPr lang="pt-BR" sz="1200" dirty="0" smtClean="0"/>
-          </a:p>
-          <a:p>
-            <a:r>
-              <a:rPr lang="pt-BR" sz="1200" b="1" dirty="0" smtClean="0"/>
-              <a:t>É Herdada por</a:t>
-            </a:r>
-            <a:r>
-              <a:rPr lang="pt-BR" sz="1200" dirty="0" smtClean="0"/>
-              <a:t>: </a:t>
+              <a:t>Classe: </a:t>
             </a:r>
             <a:r>
               <a:rPr lang="pt-BR" sz="1200" dirty="0" err="1" smtClean="0"/>
               <a:t>Heroi</a:t>
             </a:r>
+            <a:endParaRPr lang="pt-BR" sz="1200" dirty="0" smtClean="0"/>
+          </a:p>
+          <a:p>
+            <a:endParaRPr lang="pt-BR" sz="1200" dirty="0" smtClean="0"/>
+          </a:p>
+          <a:p>
+            <a:r>
+              <a:rPr lang="pt-BR" sz="1200" b="1" dirty="0" smtClean="0"/>
+              <a:t>Descrição: </a:t>
+            </a:r>
             <a:r>
               <a:rPr lang="pt-BR" sz="1200" dirty="0" smtClean="0"/>
-              <a:t> e Monstro</a:t>
-            </a:r>
+              <a:t>Todo e qualquer personagem que o jogador controlará será baseada nesta classe</a:t>
+            </a:r>
+          </a:p>
+          <a:p>
+            <a:r>
+              <a:rPr lang="pt-BR" sz="1200" dirty="0" smtClean="0"/>
+              <a:t>As classes derivadas destas correspondem a uma especialização que o personagem pode assumir durante </a:t>
+            </a:r>
+          </a:p>
+          <a:p>
+            <a:r>
+              <a:rPr lang="pt-BR" sz="1200" dirty="0" smtClean="0"/>
+              <a:t>a jogatina.</a:t>
+            </a:r>
+          </a:p>
+          <a:p>
             <a:endParaRPr lang="pt-BR" sz="1200" dirty="0"/>
           </a:p>
-        </p:txBody>
-      </p:sp>
+          <a:p>
+            <a:r>
+              <a:rPr lang="pt-BR" sz="1200" b="1" dirty="0" smtClean="0"/>
+              <a:t>Herda de: </a:t>
+            </a:r>
+            <a:r>
+              <a:rPr lang="pt-BR" sz="1200" dirty="0" smtClean="0"/>
+              <a:t>Char</a:t>
+            </a:r>
+          </a:p>
+          <a:p>
+            <a:endParaRPr lang="pt-BR" sz="1200" b="1" dirty="0"/>
+          </a:p>
+          <a:p>
+            <a:r>
+              <a:rPr lang="pt-BR" sz="1200" b="1" dirty="0" smtClean="0"/>
+              <a:t>É herdado por: </a:t>
+            </a:r>
+            <a:r>
+              <a:rPr lang="pt-BR" sz="1200" dirty="0" smtClean="0"/>
+              <a:t>Mago, Guerreiro, Ladino</a:t>
+            </a:r>
+          </a:p>
+        </p:txBody>
+      </p:sp>
+      <p:pic>
+        <p:nvPicPr>
+          <p:cNvPr id="6" name="Imagem 5" descr="02.PNG"/>
+          <p:cNvPicPr>
+            <a:picLocks noChangeAspect="1"/>
+          </p:cNvPicPr>
+          <p:nvPr/>
+        </p:nvPicPr>
+        <p:blipFill>
+          <a:blip r:embed="rId2"/>
+          <a:stretch>
+            <a:fillRect/>
+          </a:stretch>
+        </p:blipFill>
+        <p:spPr>
+          <a:xfrm>
+            <a:off x="357158" y="1285860"/>
+            <a:ext cx="8643998" cy="3143272"/>
+          </a:xfrm>
+          <a:prstGeom prst="rect">
+            <a:avLst/>
+          </a:prstGeom>
+        </p:spPr>
+      </p:pic>
     </p:spTree>
     <p:extLst>
       <p:ext uri="{BB962C8B-B14F-4D97-AF65-F5344CB8AC3E}">
-        <p14:creationId xmlns:p14="http://schemas.microsoft.com/office/powerpoint/2010/main" val="2670677677"/>
+        <p14:creationId xmlns:p14="http://schemas.microsoft.com/office/powerpoint/2010/main" val="4066930787"/>
       </p:ext>
     </p:extLst>
   </p:cSld>
   <p:clrMapOvr>
     <a:masterClrMapping/>
   </p:clrMapOvr>
+  <p:timing>
+    <p:tnLst>
+      <p:par>
+        <p:cTn id="1" dur="indefinite" restart="never" nodeType="tmRoot"/>
+      </p:par>
+    </p:tnLst>
+  </p:timing>
 </p:sld>
 </file>
 

--- a/Trabalho final Prog2.pptx
+++ b/Trabalho final Prog2.pptx
@@ -5505,8 +5505,8 @@
           <a:lstStyle/>
           <a:p>
             <a:r>
-              <a:rPr lang="pt-BR" dirty="0" smtClean="0"/>
-              <a:t>Projeto</a:t>
+              <a:rPr lang="pt-BR" dirty="0"/>
+              <a:t>Classes</a:t>
             </a:r>
             <a:endParaRPr lang="pt-BR" dirty="0"/>
           </a:p>
@@ -5808,7 +5808,7 @@
         </p:blipFill>
         <p:spPr>
           <a:xfrm>
-            <a:off x="357158" y="4143380"/>
+            <a:off x="457200" y="4149080"/>
             <a:ext cx="7913134" cy="1714512"/>
           </a:xfrm>
           <a:prstGeom prst="rect">
@@ -5824,8 +5824,8 @@
         </p:nvSpPr>
         <p:spPr>
           <a:xfrm>
-            <a:off x="1643042" y="3857628"/>
-            <a:ext cx="1739579" cy="461665"/>
+            <a:off x="3422486" y="3796266"/>
+            <a:ext cx="1988045" cy="461665"/>
           </a:xfrm>
           <a:prstGeom prst="rect">
             <a:avLst/>
@@ -5840,7 +5840,7 @@
           <a:p>
             <a:r>
               <a:rPr lang="pt-BR" sz="1200" b="1" dirty="0" smtClean="0"/>
-              <a:t>Classe</a:t>
+              <a:t>Subclasse</a:t>
             </a:r>
             <a:r>
               <a:rPr lang="pt-BR" sz="1200" dirty="0" smtClean="0"/>
@@ -5860,8 +5860,8 @@
         </p:nvSpPr>
         <p:spPr>
           <a:xfrm>
-            <a:off x="5786446" y="6072206"/>
-            <a:ext cx="1135247" cy="276999"/>
+            <a:off x="4004376" y="6016544"/>
+            <a:ext cx="1406154" cy="276999"/>
           </a:xfrm>
           <a:prstGeom prst="rect">
             <a:avLst/>
@@ -5876,11 +5876,15 @@
           <a:p>
             <a:r>
               <a:rPr lang="pt-BR" sz="1200" b="1" dirty="0" smtClean="0"/>
-              <a:t>Classe</a:t>
+              <a:t>Subclasse</a:t>
             </a:r>
             <a:r>
               <a:rPr lang="pt-BR" sz="1200" dirty="0" smtClean="0"/>
-              <a:t>: arma</a:t>
+              <a:t>: </a:t>
+            </a:r>
+            <a:r>
+              <a:rPr lang="pt-BR" sz="1200" dirty="0" smtClean="0"/>
+              <a:t>Arma</a:t>
             </a:r>
             <a:endParaRPr lang="pt-BR" sz="1200" dirty="0"/>
           </a:p>
@@ -5931,42 +5935,6 @@
               <a:t>Classe Item - Subclasses</a:t>
             </a:r>
             <a:endParaRPr lang="pt-BR" dirty="0"/>
-          </a:p>
-        </p:txBody>
-      </p:sp>
-      <p:sp>
-        <p:nvSpPr>
-          <p:cNvPr id="6" name="CaixaDeTexto 5"/>
-          <p:cNvSpPr txBox="1"/>
-          <p:nvPr/>
-        </p:nvSpPr>
-        <p:spPr>
-          <a:xfrm>
-            <a:off x="3214678" y="3286124"/>
-            <a:ext cx="1561646" cy="461665"/>
-          </a:xfrm>
-          <a:prstGeom prst="rect">
-            <a:avLst/>
-          </a:prstGeom>
-          <a:noFill/>
-        </p:spPr>
-        <p:txBody>
-          <a:bodyPr wrap="none" rtlCol="0">
-            <a:spAutoFit/>
-          </a:bodyPr>
-          <a:lstStyle/>
-          <a:p>
-            <a:r>
-              <a:rPr lang="pt-BR" sz="1200" b="1" dirty="0" smtClean="0"/>
-              <a:t>Classe</a:t>
-            </a:r>
-            <a:r>
-              <a:rPr lang="pt-BR" sz="1200" dirty="0" smtClean="0"/>
-              <a:t>: Acessórios</a:t>
-            </a:r>
-          </a:p>
-          <a:p>
-            <a:endParaRPr lang="pt-BR" sz="1200" dirty="0"/>
           </a:p>
         </p:txBody>
       </p:sp>
@@ -6009,7 +5977,7 @@
         </p:blipFill>
         <p:spPr>
           <a:xfrm>
-            <a:off x="310724" y="3493072"/>
+            <a:off x="333110" y="3571876"/>
             <a:ext cx="8358246" cy="1285884"/>
           </a:xfrm>
           <a:prstGeom prst="rect">
@@ -6026,7 +5994,7 @@
         <p:spPr>
           <a:xfrm>
             <a:off x="3214678" y="2857496"/>
-            <a:ext cx="1729961" cy="276999"/>
+            <a:ext cx="1731564" cy="276999"/>
           </a:xfrm>
           <a:prstGeom prst="rect">
             <a:avLst/>
@@ -6040,8 +6008,12 @@
           <a:lstStyle/>
           <a:p>
             <a:r>
-              <a:rPr lang="pt-BR" sz="1200" dirty="0" smtClean="0"/>
-              <a:t>Subclasse: </a:t>
+              <a:rPr lang="pt-BR" sz="1200" b="1" dirty="0" smtClean="0"/>
+              <a:t>Subclasse</a:t>
+            </a:r>
+            <a:r>
+              <a:rPr lang="pt-BR" sz="1200" b="1" dirty="0" smtClean="0"/>
+              <a:t>: </a:t>
             </a:r>
             <a:r>
               <a:rPr lang="pt-BR" sz="1200" dirty="0" err="1" smtClean="0"/>
@@ -6074,8 +6046,12 @@
           <a:lstStyle/>
           <a:p>
             <a:r>
+              <a:rPr lang="pt-BR" sz="1200" b="1" dirty="0" smtClean="0"/>
+              <a:t>Subclasse: </a:t>
+            </a:r>
+            <a:r>
               <a:rPr lang="pt-BR" sz="1200" dirty="0" smtClean="0"/>
-              <a:t>Subclasse: Armadura</a:t>
+              <a:t>Armadura</a:t>
             </a:r>
             <a:endParaRPr lang="pt-BR" sz="1200" dirty="0"/>
           </a:p>
@@ -6197,8 +6173,8 @@
           <a:lstStyle/>
           <a:p>
             <a:r>
-              <a:rPr lang="pt-BR" dirty="0" smtClean="0"/>
-              <a:t>Projeto</a:t>
+              <a:rPr lang="pt-BR" dirty="0"/>
+              <a:t>Classes</a:t>
             </a:r>
             <a:endParaRPr lang="pt-BR" dirty="0"/>
           </a:p>
@@ -6500,8 +6476,8 @@
           <a:lstStyle/>
           <a:p>
             <a:r>
-              <a:rPr lang="pt-BR" dirty="0" smtClean="0"/>
-              <a:t>Projeto</a:t>
+              <a:rPr lang="pt-BR" dirty="0"/>
+              <a:t>Classes</a:t>
             </a:r>
             <a:endParaRPr lang="pt-BR" dirty="0"/>
           </a:p>
@@ -6949,8 +6925,8 @@
           <a:lstStyle/>
           <a:p>
             <a:r>
-              <a:rPr lang="pt-BR" dirty="0" smtClean="0"/>
-              <a:t>Projeto</a:t>
+              <a:rPr lang="pt-BR" dirty="0"/>
+              <a:t>Classes</a:t>
             </a:r>
             <a:endParaRPr lang="pt-BR" dirty="0"/>
           </a:p>
@@ -7079,48 +7055,43 @@
             <a:pPr algn="just"/>
             <a:r>
               <a:rPr lang="pt-BR" sz="1200" b="1" dirty="0" smtClean="0"/>
-              <a:t>Descrição</a:t>
-            </a:r>
-            <a:r>
-              <a:rPr lang="pt-BR" sz="1200" b="1" dirty="0" smtClean="0"/>
-              <a:t>: É muito comum em </a:t>
-            </a:r>
-            <a:r>
-              <a:rPr lang="pt-BR" sz="1200" b="1" dirty="0" err="1" smtClean="0"/>
+              <a:t>Descrição: </a:t>
+            </a:r>
+            <a:r>
+              <a:rPr lang="pt-BR" sz="1200" dirty="0" smtClean="0"/>
+              <a:t>É muito comum em </a:t>
+            </a:r>
+            <a:r>
+              <a:rPr lang="pt-BR" sz="1200" dirty="0" err="1" smtClean="0"/>
               <a:t>rpgs</a:t>
             </a:r>
             <a:r>
-              <a:rPr lang="pt-BR" sz="1200" b="1" dirty="0" smtClean="0"/>
+              <a:rPr lang="pt-BR" sz="1200" dirty="0" smtClean="0"/>
               <a:t> uma arma ou magia ser de algum tipo de elemento (</a:t>
             </a:r>
             <a:r>
-              <a:rPr lang="pt-BR" sz="1200" b="1" dirty="0" err="1" smtClean="0"/>
+              <a:rPr lang="pt-BR" sz="1200" dirty="0" err="1" smtClean="0"/>
               <a:t>Ex</a:t>
             </a:r>
             <a:r>
-              <a:rPr lang="pt-BR" sz="1200" b="1" dirty="0" smtClean="0"/>
+              <a:rPr lang="pt-BR" sz="1200" dirty="0" smtClean="0"/>
               <a:t>: Fogo, Água, </a:t>
             </a:r>
             <a:r>
-              <a:rPr lang="pt-BR" sz="1200" b="1" dirty="0" err="1" smtClean="0"/>
+              <a:rPr lang="pt-BR" sz="1200" dirty="0" err="1" smtClean="0"/>
               <a:t>etc</a:t>
             </a:r>
             <a:r>
-              <a:rPr lang="pt-BR" sz="1200" b="1" dirty="0" smtClean="0"/>
+              <a:rPr lang="pt-BR" sz="1200" dirty="0" smtClean="0"/>
               <a:t>)</a:t>
             </a:r>
           </a:p>
           <a:p>
             <a:pPr algn="just"/>
             <a:r>
-              <a:rPr lang="pt-BR" sz="1200" b="1" dirty="0" smtClean="0"/>
-              <a:t>Esta classe teria os elementos em </a:t>
-            </a:r>
-            <a:r>
-              <a:rPr lang="pt-BR" sz="1200" b="1" smtClean="0"/>
-              <a:t>comum destes.</a:t>
-            </a:r>
-            <a:endParaRPr lang="pt-BR" sz="1200" b="1" dirty="0" smtClean="0"/>
+              <a:rPr lang="pt-BR" sz="1200" dirty="0" smtClean="0"/>
+              <a:t>Esta classe teria os elementos em comum destes.</a:t>
+            </a:r>
           </a:p>
           <a:p>
             <a:pPr algn="just"/>
@@ -7135,7 +7106,6 @@
               <a:rPr lang="pt-BR" sz="1200" dirty="0" smtClean="0"/>
               <a:t>: Ninguém</a:t>
             </a:r>
-            <a:endParaRPr lang="pt-BR" sz="1200" dirty="0" smtClean="0"/>
           </a:p>
           <a:p>
             <a:endParaRPr lang="pt-BR" sz="1200" dirty="0" smtClean="0"/>
@@ -7738,7 +7708,7 @@
           <a:p>
             <a:r>
               <a:rPr lang="pt-BR" dirty="0" smtClean="0"/>
-              <a:t>Projeto</a:t>
+              <a:t>Classes</a:t>
             </a:r>
             <a:endParaRPr lang="pt-BR" dirty="0"/>
           </a:p>
@@ -7843,13 +7813,8 @@
           <a:p>
             <a:r>
               <a:rPr lang="pt-BR" dirty="0" smtClean="0"/>
-              <a:t>- </a:t>
-            </a:r>
-            <a:r>
-              <a:rPr lang="pt-BR" dirty="0" smtClean="0"/>
-              <a:t>Magias</a:t>
-            </a:r>
-            <a:endParaRPr lang="pt-BR" dirty="0" smtClean="0"/>
+              <a:t>- Magias</a:t>
+            </a:r>
           </a:p>
           <a:p>
             <a:r>
@@ -7880,8 +7845,8 @@
           <a:lstStyle/>
           <a:p>
             <a:r>
-              <a:rPr lang="pt-BR" dirty="0" smtClean="0"/>
-              <a:t>Projeto</a:t>
+              <a:rPr lang="pt-BR" dirty="0"/>
+              <a:t>Classes</a:t>
             </a:r>
             <a:endParaRPr lang="pt-BR" dirty="0"/>
           </a:p>
@@ -8217,8 +8182,8 @@
           <a:lstStyle/>
           <a:p>
             <a:r>
-              <a:rPr lang="pt-BR" dirty="0" smtClean="0"/>
-              <a:t>Projeto</a:t>
+              <a:rPr lang="pt-BR" dirty="0"/>
+              <a:t>Classes</a:t>
             </a:r>
             <a:endParaRPr lang="pt-BR" dirty="0"/>
           </a:p>
